--- a/ThreadsRunnablesExecutors.pptx
+++ b/ThreadsRunnablesExecutors.pptx
@@ -11,21 +11,21 @@
     <p:sldId id="256" r:id="rId2"/>
     <p:sldId id="260" r:id="rId3"/>
     <p:sldId id="257" r:id="rId4"/>
-    <p:sldId id="258" r:id="rId5"/>
-    <p:sldId id="259" r:id="rId6"/>
-    <p:sldId id="265" r:id="rId7"/>
-    <p:sldId id="266" r:id="rId8"/>
-    <p:sldId id="261" r:id="rId9"/>
-    <p:sldId id="262" r:id="rId10"/>
-    <p:sldId id="267" r:id="rId11"/>
+    <p:sldId id="280" r:id="rId5"/>
+    <p:sldId id="265" r:id="rId6"/>
+    <p:sldId id="266" r:id="rId7"/>
+    <p:sldId id="261" r:id="rId8"/>
+    <p:sldId id="262" r:id="rId9"/>
+    <p:sldId id="267" r:id="rId10"/>
+    <p:sldId id="281" r:id="rId11"/>
     <p:sldId id="263" r:id="rId12"/>
     <p:sldId id="269" r:id="rId13"/>
     <p:sldId id="272" r:id="rId14"/>
     <p:sldId id="271" r:id="rId15"/>
-    <p:sldId id="273" r:id="rId16"/>
-    <p:sldId id="275" r:id="rId17"/>
-    <p:sldId id="278" r:id="rId18"/>
-    <p:sldId id="277" r:id="rId19"/>
+    <p:sldId id="282" r:id="rId16"/>
+    <p:sldId id="273" r:id="rId17"/>
+    <p:sldId id="275" r:id="rId18"/>
+    <p:sldId id="278" r:id="rId19"/>
     <p:sldId id="279" r:id="rId20"/>
   </p:sldIdLst>
   <p:sldSz cx="9144000" cy="6858000" type="screen4x3"/>
@@ -524,37 +524,54 @@
           <a:p>
             <a:r>
               <a:rPr lang="en-US" dirty="0" smtClean="0"/>
-              <a:t>New: A new</a:t>
+              <a:t>A thread is a thread of execution in a program.</a:t>
             </a:r>
             <a:r>
               <a:rPr lang="en-US" baseline="0" dirty="0" smtClean="0"/>
-              <a:t> thread has been created but not started.  AKA a born thread.</a:t>
+              <a:t> You have a main thread, but if you want to do multiple tasks at once you need to create more threads.  </a:t>
             </a:r>
           </a:p>
           <a:p>
             <a:r>
               <a:rPr lang="en-US" baseline="0" dirty="0" smtClean="0"/>
-              <a:t>Runnable: After thread is started, it is runnable.</a:t>
+              <a:t>Analogy: You have a business.  You are the main thread. You can do 1 task at a time.  If you want to do things concurrently, you have to hire employees or threads.</a:t>
             </a:r>
           </a:p>
           <a:p>
             <a:r>
               <a:rPr lang="en-US" baseline="0" dirty="0" smtClean="0"/>
-              <a:t>Waiting: If the thread is waiting for another thread to perform a task.  Transitions back to runnable when another thread signals it to continue.</a:t>
+              <a:t>There are 2 ways to go about that.  </a:t>
             </a:r>
           </a:p>
           <a:p>
             <a:r>
               <a:rPr lang="en-US" baseline="0" dirty="0" smtClean="0"/>
-              <a:t>Time Waiting: A thread may be set to wait for an interval of time. Transitions back to running when time expires.</a:t>
+              <a:t>You can create threads one by one.  They are like temporary employees.  They have a task to do. When their task is done, they leave.</a:t>
             </a:r>
           </a:p>
           <a:p>
             <a:r>
               <a:rPr lang="en-US" baseline="0" dirty="0" smtClean="0"/>
-              <a:t>Terminated or Dead: Once it completes a task or is terminated.</a:t>
-            </a:r>
-            <a:endParaRPr lang="en-US" dirty="0"/>
+              <a:t>Or you can create an executor.  That is like a manager with a pool of employees.  You give the manager tasks who assigns them to available employees. When the employee is done with the task, the manager gives them another task.</a:t>
+            </a:r>
+          </a:p>
+          <a:p>
+            <a:endParaRPr lang="en-US" baseline="0" dirty="0" smtClean="0"/>
+          </a:p>
+          <a:p>
+            <a:r>
+              <a:rPr lang="en-US" baseline="0" dirty="0" smtClean="0"/>
+              <a:t>Once you have employees, you have to give them tasks.  You can create tasks in a couple of ways.  First, if you are creating threads, you can create a specific type of thread class and instantiate it.  That type of thread always does the same job.  Like hiring a taxi.  </a:t>
+            </a:r>
+          </a:p>
+          <a:p>
+            <a:endParaRPr lang="en-US" baseline="0" dirty="0" smtClean="0"/>
+          </a:p>
+          <a:p>
+            <a:r>
+              <a:rPr lang="en-US" baseline="0" dirty="0" smtClean="0"/>
+              <a:t>Or you can create runnables, which are specific tasks, and then assign them to a generic thread.  Clean the bathroom, mail a package, fix a computer. So you create a runnable and then assign it to a thread.  Or you can submit it to your executor, which will assign it to a thread in the thread pool.</a:t>
+            </a:r>
           </a:p>
         </p:txBody>
       </p:sp>
@@ -575,7 +592,7 @@
           <a:p>
             <a:fld id="{CEC0AAC7-8520-F247-8403-A58CC6F5AB4A}" type="slidenum">
               <a:rPr lang="en-US" smtClean="0"/>
-              <a:t>3</a:t>
+              <a:t>1</a:t>
             </a:fld>
             <a:endParaRPr lang="en-US"/>
           </a:p>
@@ -584,7 +601,7 @@
     </p:spTree>
     <p:extLst>
       <p:ext uri="{BB962C8B-B14F-4D97-AF65-F5344CB8AC3E}">
-        <p14:creationId xmlns:p14="http://schemas.microsoft.com/office/powerpoint/2010/main" val="3063051330"/>
+        <p14:creationId xmlns:p14="http://schemas.microsoft.com/office/powerpoint/2010/main" val="3356683289"/>
       </p:ext>
     </p:extLst>
   </p:cSld>
@@ -638,9 +655,469 @@
           <a:bodyPr/>
           <a:lstStyle/>
           <a:p>
+            <a:endParaRPr lang="en-US" baseline="0" dirty="0" smtClean="0"/>
+          </a:p>
+        </p:txBody>
+      </p:sp>
+      <p:sp>
+        <p:nvSpPr>
+          <p:cNvPr id="4" name="Slide Number Placeholder 3"/>
+          <p:cNvSpPr>
+            <a:spLocks noGrp="1"/>
+          </p:cNvSpPr>
+          <p:nvPr>
+            <p:ph type="sldNum" sz="quarter" idx="10"/>
+          </p:nvPr>
+        </p:nvSpPr>
+        <p:spPr/>
+        <p:txBody>
+          <a:bodyPr/>
+          <a:lstStyle/>
+          <a:p>
+            <a:fld id="{CEC0AAC7-8520-F247-8403-A58CC6F5AB4A}" type="slidenum">
+              <a:rPr lang="en-US" smtClean="0"/>
+              <a:t>11</a:t>
+            </a:fld>
+            <a:endParaRPr lang="en-US"/>
+          </a:p>
+        </p:txBody>
+      </p:sp>
+    </p:spTree>
+    <p:extLst>
+      <p:ext uri="{BB962C8B-B14F-4D97-AF65-F5344CB8AC3E}">
+        <p14:creationId xmlns:p14="http://schemas.microsoft.com/office/powerpoint/2010/main" val="2385096317"/>
+      </p:ext>
+    </p:extLst>
+  </p:cSld>
+  <p:clrMapOvr>
+    <a:masterClrMapping/>
+  </p:clrMapOvr>
+</p:notes>
+</file>
+
+<file path=ppt/notesSlides/notesSlide11.xml><?xml version="1.0" encoding="utf-8"?>
+<p:notes xmlns:a="http://schemas.openxmlformats.org/drawingml/2006/main" xmlns:r="http://schemas.openxmlformats.org/officeDocument/2006/relationships" xmlns:p="http://schemas.openxmlformats.org/presentationml/2006/main">
+  <p:cSld>
+    <p:spTree>
+      <p:nvGrpSpPr>
+        <p:cNvPr id="1" name=""/>
+        <p:cNvGrpSpPr/>
+        <p:nvPr/>
+      </p:nvGrpSpPr>
+      <p:grpSpPr>
+        <a:xfrm>
+          <a:off x="0" y="0"/>
+          <a:ext cx="0" cy="0"/>
+          <a:chOff x="0" y="0"/>
+          <a:chExt cx="0" cy="0"/>
+        </a:xfrm>
+      </p:grpSpPr>
+      <p:sp>
+        <p:nvSpPr>
+          <p:cNvPr id="2" name="Slide Image Placeholder 1"/>
+          <p:cNvSpPr>
+            <a:spLocks noGrp="1" noRot="1" noChangeAspect="1"/>
+          </p:cNvSpPr>
+          <p:nvPr>
+            <p:ph type="sldImg"/>
+          </p:nvPr>
+        </p:nvSpPr>
+        <p:spPr/>
+      </p:sp>
+      <p:sp>
+        <p:nvSpPr>
+          <p:cNvPr id="3" name="Notes Placeholder 2"/>
+          <p:cNvSpPr>
+            <a:spLocks noGrp="1"/>
+          </p:cNvSpPr>
+          <p:nvPr>
+            <p:ph type="body" idx="1"/>
+          </p:nvPr>
+        </p:nvSpPr>
+        <p:spPr/>
+        <p:txBody>
+          <a:bodyPr/>
+          <a:lstStyle/>
+          <a:p>
             <a:r>
               <a:rPr lang="en-US" dirty="0" smtClean="0"/>
-              <a:t>Callable returns a value, so you can </a:t>
+              <a:t>There</a:t>
+            </a:r>
+            <a:r>
+              <a:rPr lang="en-US" baseline="0" dirty="0" smtClean="0"/>
+              <a:t> are many kinds of executors, </a:t>
+            </a:r>
+          </a:p>
+          <a:p>
+            <a:r>
+              <a:rPr lang="en-US" baseline="0" dirty="0" smtClean="0"/>
+              <a:t>You can create a fixed thread pool with a set number of threads,</a:t>
+            </a:r>
+          </a:p>
+          <a:p>
+            <a:r>
+              <a:rPr lang="en-US" baseline="0" dirty="0" smtClean="0"/>
+              <a:t>Or you can create a flexible sized pool like cached thread pool, which will create and destroy threads if needed.</a:t>
+            </a:r>
+          </a:p>
+          <a:p>
+            <a:r>
+              <a:rPr lang="en-US" baseline="0" dirty="0" smtClean="0"/>
+              <a:t>ScheduledExecutorService can schedule tasks to run after a period of time.</a:t>
+            </a:r>
+          </a:p>
+          <a:p>
+            <a:r>
+              <a:rPr lang="en-US" baseline="0" dirty="0" smtClean="0"/>
+              <a:t>Other kinds of executors too.</a:t>
+            </a:r>
+          </a:p>
+        </p:txBody>
+      </p:sp>
+      <p:sp>
+        <p:nvSpPr>
+          <p:cNvPr id="4" name="Slide Number Placeholder 3"/>
+          <p:cNvSpPr>
+            <a:spLocks noGrp="1"/>
+          </p:cNvSpPr>
+          <p:nvPr>
+            <p:ph type="sldNum" sz="quarter" idx="10"/>
+          </p:nvPr>
+        </p:nvSpPr>
+        <p:spPr/>
+        <p:txBody>
+          <a:bodyPr/>
+          <a:lstStyle/>
+          <a:p>
+            <a:fld id="{CEC0AAC7-8520-F247-8403-A58CC6F5AB4A}" type="slidenum">
+              <a:rPr lang="en-US" smtClean="0"/>
+              <a:t>12</a:t>
+            </a:fld>
+            <a:endParaRPr lang="en-US"/>
+          </a:p>
+        </p:txBody>
+      </p:sp>
+    </p:spTree>
+    <p:extLst>
+      <p:ext uri="{BB962C8B-B14F-4D97-AF65-F5344CB8AC3E}">
+        <p14:creationId xmlns:p14="http://schemas.microsoft.com/office/powerpoint/2010/main" val="1416003945"/>
+      </p:ext>
+    </p:extLst>
+  </p:cSld>
+  <p:clrMapOvr>
+    <a:masterClrMapping/>
+  </p:clrMapOvr>
+</p:notes>
+</file>
+
+<file path=ppt/notesSlides/notesSlide12.xml><?xml version="1.0" encoding="utf-8"?>
+<p:notes xmlns:a="http://schemas.openxmlformats.org/drawingml/2006/main" xmlns:r="http://schemas.openxmlformats.org/officeDocument/2006/relationships" xmlns:p="http://schemas.openxmlformats.org/presentationml/2006/main">
+  <p:cSld>
+    <p:spTree>
+      <p:nvGrpSpPr>
+        <p:cNvPr id="1" name=""/>
+        <p:cNvGrpSpPr/>
+        <p:nvPr/>
+      </p:nvGrpSpPr>
+      <p:grpSpPr>
+        <a:xfrm>
+          <a:off x="0" y="0"/>
+          <a:ext cx="0" cy="0"/>
+          <a:chOff x="0" y="0"/>
+          <a:chExt cx="0" cy="0"/>
+        </a:xfrm>
+      </p:grpSpPr>
+      <p:sp>
+        <p:nvSpPr>
+          <p:cNvPr id="2" name="Slide Image Placeholder 1"/>
+          <p:cNvSpPr>
+            <a:spLocks noGrp="1" noRot="1" noChangeAspect="1"/>
+          </p:cNvSpPr>
+          <p:nvPr>
+            <p:ph type="sldImg"/>
+          </p:nvPr>
+        </p:nvSpPr>
+        <p:spPr/>
+      </p:sp>
+      <p:sp>
+        <p:nvSpPr>
+          <p:cNvPr id="3" name="Notes Placeholder 2"/>
+          <p:cNvSpPr>
+            <a:spLocks noGrp="1"/>
+          </p:cNvSpPr>
+          <p:nvPr>
+            <p:ph type="body" idx="1"/>
+          </p:nvPr>
+        </p:nvSpPr>
+        <p:spPr/>
+        <p:txBody>
+          <a:bodyPr/>
+          <a:lstStyle/>
+          <a:p>
+            <a:r>
+              <a:rPr lang="en-US" dirty="0" smtClean="0"/>
+              <a:t>Here is how you</a:t>
+            </a:r>
+            <a:r>
+              <a:rPr lang="en-US" baseline="0" dirty="0" smtClean="0"/>
+              <a:t> create an executor with a thread pool.</a:t>
+            </a:r>
+          </a:p>
+          <a:p>
+            <a:endParaRPr lang="en-US" baseline="0" dirty="0" smtClean="0"/>
+          </a:p>
+          <a:p>
+            <a:r>
+              <a:rPr lang="en-US" baseline="0" dirty="0" smtClean="0"/>
+              <a:t>If you create an executor, you have to shut it down before your program can end. If you don’t the program will sit open indefinitely instead of closing.</a:t>
+            </a:r>
+          </a:p>
+          <a:p>
+            <a:endParaRPr lang="en-US" baseline="0" dirty="0" smtClean="0"/>
+          </a:p>
+          <a:p>
+            <a:r>
+              <a:rPr lang="en-US" baseline="0" dirty="0" smtClean="0"/>
+              <a:t>Sort of like if you have a business, you can’t shut down the business until the employees are let go.</a:t>
+            </a:r>
+          </a:p>
+          <a:p>
+            <a:endParaRPr lang="en-US" baseline="0" dirty="0" smtClean="0"/>
+          </a:p>
+          <a:p>
+            <a:endParaRPr lang="en-US" baseline="0" dirty="0" smtClean="0"/>
+          </a:p>
+          <a:p>
+            <a:endParaRPr lang="en-US" dirty="0"/>
+          </a:p>
+        </p:txBody>
+      </p:sp>
+      <p:sp>
+        <p:nvSpPr>
+          <p:cNvPr id="4" name="Slide Number Placeholder 3"/>
+          <p:cNvSpPr>
+            <a:spLocks noGrp="1"/>
+          </p:cNvSpPr>
+          <p:nvPr>
+            <p:ph type="sldNum" sz="quarter" idx="10"/>
+          </p:nvPr>
+        </p:nvSpPr>
+        <p:spPr/>
+        <p:txBody>
+          <a:bodyPr/>
+          <a:lstStyle/>
+          <a:p>
+            <a:fld id="{CEC0AAC7-8520-F247-8403-A58CC6F5AB4A}" type="slidenum">
+              <a:rPr lang="en-US" smtClean="0"/>
+              <a:t>13</a:t>
+            </a:fld>
+            <a:endParaRPr lang="en-US"/>
+          </a:p>
+        </p:txBody>
+      </p:sp>
+    </p:spTree>
+    <p:extLst>
+      <p:ext uri="{BB962C8B-B14F-4D97-AF65-F5344CB8AC3E}">
+        <p14:creationId xmlns:p14="http://schemas.microsoft.com/office/powerpoint/2010/main" val="1416003945"/>
+      </p:ext>
+    </p:extLst>
+  </p:cSld>
+  <p:clrMapOvr>
+    <a:masterClrMapping/>
+  </p:clrMapOvr>
+</p:notes>
+</file>
+
+<file path=ppt/notesSlides/notesSlide13.xml><?xml version="1.0" encoding="utf-8"?>
+<p:notes xmlns:a="http://schemas.openxmlformats.org/drawingml/2006/main" xmlns:r="http://schemas.openxmlformats.org/officeDocument/2006/relationships" xmlns:p="http://schemas.openxmlformats.org/presentationml/2006/main">
+  <p:cSld>
+    <p:spTree>
+      <p:nvGrpSpPr>
+        <p:cNvPr id="1" name=""/>
+        <p:cNvGrpSpPr/>
+        <p:nvPr/>
+      </p:nvGrpSpPr>
+      <p:grpSpPr>
+        <a:xfrm>
+          <a:off x="0" y="0"/>
+          <a:ext cx="0" cy="0"/>
+          <a:chOff x="0" y="0"/>
+          <a:chExt cx="0" cy="0"/>
+        </a:xfrm>
+      </p:grpSpPr>
+      <p:sp>
+        <p:nvSpPr>
+          <p:cNvPr id="2" name="Slide Image Placeholder 1"/>
+          <p:cNvSpPr>
+            <a:spLocks noGrp="1" noRot="1" noChangeAspect="1"/>
+          </p:cNvSpPr>
+          <p:nvPr>
+            <p:ph type="sldImg"/>
+          </p:nvPr>
+        </p:nvSpPr>
+        <p:spPr/>
+      </p:sp>
+      <p:sp>
+        <p:nvSpPr>
+          <p:cNvPr id="3" name="Notes Placeholder 2"/>
+          <p:cNvSpPr>
+            <a:spLocks noGrp="1"/>
+          </p:cNvSpPr>
+          <p:nvPr>
+            <p:ph type="body" idx="1"/>
+          </p:nvPr>
+        </p:nvSpPr>
+        <p:spPr/>
+        <p:txBody>
+          <a:bodyPr/>
+          <a:lstStyle/>
+          <a:p>
+            <a:r>
+              <a:rPr lang="en-US" dirty="0" smtClean="0"/>
+              <a:t>Once you have an executor</a:t>
+            </a:r>
+            <a:r>
+              <a:rPr lang="en-US" baseline="0" dirty="0" smtClean="0"/>
+              <a:t> you can give it tasks.  You do this by submitting tasks to the executor. The executor will assign the task to a thread in the pool.</a:t>
+            </a:r>
+          </a:p>
+          <a:p>
+            <a:endParaRPr lang="en-US" baseline="0" dirty="0" smtClean="0"/>
+          </a:p>
+          <a:p>
+            <a:r>
+              <a:rPr lang="en-US" baseline="0" dirty="0" smtClean="0"/>
+              <a:t>You can submit tasks directly without creating a runnable.</a:t>
+            </a:r>
+          </a:p>
+          <a:p>
+            <a:endParaRPr lang="en-US" baseline="0" dirty="0" smtClean="0"/>
+          </a:p>
+          <a:p>
+            <a:r>
+              <a:rPr lang="en-US" baseline="0" dirty="0" smtClean="0"/>
+              <a:t>Or you can create a runnable and submit it.</a:t>
+            </a:r>
+          </a:p>
+          <a:p>
+            <a:endParaRPr lang="en-US" baseline="0" dirty="0" smtClean="0"/>
+          </a:p>
+          <a:p>
+            <a:r>
+              <a:rPr lang="en-US" baseline="0" dirty="0" smtClean="0"/>
+              <a:t>Or another option with </a:t>
+            </a:r>
+            <a:r>
+              <a:rPr lang="en-US" baseline="0" dirty="0" err="1" smtClean="0"/>
+              <a:t>executables</a:t>
+            </a:r>
+            <a:r>
+              <a:rPr lang="en-US" baseline="0" dirty="0" smtClean="0"/>
+              <a:t> is using callables and futures.  Callables tasks where you need a return value.  Like asking an employee to purchase something, or to report back.</a:t>
+            </a:r>
+          </a:p>
+          <a:p>
+            <a:r>
+              <a:rPr lang="en-US" baseline="0" dirty="0" smtClean="0"/>
+              <a:t>They are like runnables, but they can return a value.  And a future gets that value.</a:t>
+            </a:r>
+            <a:endParaRPr lang="en-US" dirty="0"/>
+          </a:p>
+        </p:txBody>
+      </p:sp>
+      <p:sp>
+        <p:nvSpPr>
+          <p:cNvPr id="4" name="Slide Number Placeholder 3"/>
+          <p:cNvSpPr>
+            <a:spLocks noGrp="1"/>
+          </p:cNvSpPr>
+          <p:nvPr>
+            <p:ph type="sldNum" sz="quarter" idx="10"/>
+          </p:nvPr>
+        </p:nvSpPr>
+        <p:spPr/>
+        <p:txBody>
+          <a:bodyPr/>
+          <a:lstStyle/>
+          <a:p>
+            <a:fld id="{CEC0AAC7-8520-F247-8403-A58CC6F5AB4A}" type="slidenum">
+              <a:rPr lang="en-US" smtClean="0"/>
+              <a:t>14</a:t>
+            </a:fld>
+            <a:endParaRPr lang="en-US"/>
+          </a:p>
+        </p:txBody>
+      </p:sp>
+    </p:spTree>
+    <p:extLst>
+      <p:ext uri="{BB962C8B-B14F-4D97-AF65-F5344CB8AC3E}">
+        <p14:creationId xmlns:p14="http://schemas.microsoft.com/office/powerpoint/2010/main" val="1416003945"/>
+      </p:ext>
+    </p:extLst>
+  </p:cSld>
+  <p:clrMapOvr>
+    <a:masterClrMapping/>
+  </p:clrMapOvr>
+</p:notes>
+</file>
+
+<file path=ppt/notesSlides/notesSlide14.xml><?xml version="1.0" encoding="utf-8"?>
+<p:notes xmlns:a="http://schemas.openxmlformats.org/drawingml/2006/main" xmlns:r="http://schemas.openxmlformats.org/officeDocument/2006/relationships" xmlns:p="http://schemas.openxmlformats.org/presentationml/2006/main">
+  <p:cSld>
+    <p:spTree>
+      <p:nvGrpSpPr>
+        <p:cNvPr id="1" name=""/>
+        <p:cNvGrpSpPr/>
+        <p:nvPr/>
+      </p:nvGrpSpPr>
+      <p:grpSpPr>
+        <a:xfrm>
+          <a:off x="0" y="0"/>
+          <a:ext cx="0" cy="0"/>
+          <a:chOff x="0" y="0"/>
+          <a:chExt cx="0" cy="0"/>
+        </a:xfrm>
+      </p:grpSpPr>
+      <p:sp>
+        <p:nvSpPr>
+          <p:cNvPr id="2" name="Slide Image Placeholder 1"/>
+          <p:cNvSpPr>
+            <a:spLocks noGrp="1" noRot="1" noChangeAspect="1"/>
+          </p:cNvSpPr>
+          <p:nvPr>
+            <p:ph type="sldImg"/>
+          </p:nvPr>
+        </p:nvSpPr>
+        <p:spPr/>
+      </p:sp>
+      <p:sp>
+        <p:nvSpPr>
+          <p:cNvPr id="3" name="Notes Placeholder 2"/>
+          <p:cNvSpPr>
+            <a:spLocks noGrp="1"/>
+          </p:cNvSpPr>
+          <p:nvPr>
+            <p:ph type="body" idx="1"/>
+          </p:nvPr>
+        </p:nvSpPr>
+        <p:spPr/>
+        <p:txBody>
+          <a:bodyPr/>
+          <a:lstStyle/>
+          <a:p>
+            <a:r>
+              <a:rPr lang="en-US" dirty="0" smtClean="0"/>
+              <a:t>You</a:t>
+            </a:r>
+            <a:r>
+              <a:rPr lang="en-US" baseline="0" dirty="0" smtClean="0"/>
+              <a:t> can create a callable class by implementing Callable, and then create a new instance of it, or you can create a callable. Here is an example of  a callable class.</a:t>
+            </a:r>
+          </a:p>
+          <a:p>
+            <a:r>
+              <a:rPr lang="en-US" baseline="0" dirty="0" smtClean="0"/>
+              <a:t>You would need to create a new instance of it before using it.</a:t>
             </a:r>
             <a:endParaRPr lang="en-US" dirty="0"/>
           </a:p>
@@ -673,6 +1150,413 @@
     <p:extLst>
       <p:ext uri="{BB962C8B-B14F-4D97-AF65-F5344CB8AC3E}">
         <p14:creationId xmlns:p14="http://schemas.microsoft.com/office/powerpoint/2010/main" val="2618931749"/>
+      </p:ext>
+    </p:extLst>
+  </p:cSld>
+  <p:clrMapOvr>
+    <a:masterClrMapping/>
+  </p:clrMapOvr>
+</p:notes>
+</file>
+
+<file path=ppt/notesSlides/notesSlide15.xml><?xml version="1.0" encoding="utf-8"?>
+<p:notes xmlns:a="http://schemas.openxmlformats.org/drawingml/2006/main" xmlns:r="http://schemas.openxmlformats.org/officeDocument/2006/relationships" xmlns:p="http://schemas.openxmlformats.org/presentationml/2006/main">
+  <p:cSld>
+    <p:spTree>
+      <p:nvGrpSpPr>
+        <p:cNvPr id="1" name=""/>
+        <p:cNvGrpSpPr/>
+        <p:nvPr/>
+      </p:nvGrpSpPr>
+      <p:grpSpPr>
+        <a:xfrm>
+          <a:off x="0" y="0"/>
+          <a:ext cx="0" cy="0"/>
+          <a:chOff x="0" y="0"/>
+          <a:chExt cx="0" cy="0"/>
+        </a:xfrm>
+      </p:grpSpPr>
+      <p:sp>
+        <p:nvSpPr>
+          <p:cNvPr id="2" name="Slide Image Placeholder 1"/>
+          <p:cNvSpPr>
+            <a:spLocks noGrp="1" noRot="1" noChangeAspect="1"/>
+          </p:cNvSpPr>
+          <p:nvPr>
+            <p:ph type="sldImg"/>
+          </p:nvPr>
+        </p:nvSpPr>
+        <p:spPr/>
+      </p:sp>
+      <p:sp>
+        <p:nvSpPr>
+          <p:cNvPr id="3" name="Notes Placeholder 2"/>
+          <p:cNvSpPr>
+            <a:spLocks noGrp="1"/>
+          </p:cNvSpPr>
+          <p:nvPr>
+            <p:ph type="body" idx="1"/>
+          </p:nvPr>
+        </p:nvSpPr>
+        <p:spPr/>
+        <p:txBody>
+          <a:bodyPr/>
+          <a:lstStyle/>
+          <a:p>
+            <a:r>
+              <a:rPr lang="en-US" baseline="0" dirty="0" smtClean="0"/>
+              <a:t>Here is an example of a Callable that would be inside another class.</a:t>
+            </a:r>
+          </a:p>
+          <a:p>
+            <a:endParaRPr lang="en-US" baseline="0" dirty="0" smtClean="0"/>
+          </a:p>
+          <a:p>
+            <a:r>
+              <a:rPr lang="en-US" baseline="0" dirty="0" smtClean="0"/>
+              <a:t>A callable returns a value. So to get that value, you need a future.</a:t>
+            </a:r>
+            <a:endParaRPr lang="en-US" dirty="0"/>
+          </a:p>
+        </p:txBody>
+      </p:sp>
+      <p:sp>
+        <p:nvSpPr>
+          <p:cNvPr id="4" name="Slide Number Placeholder 3"/>
+          <p:cNvSpPr>
+            <a:spLocks noGrp="1"/>
+          </p:cNvSpPr>
+          <p:nvPr>
+            <p:ph type="sldNum" sz="quarter" idx="10"/>
+          </p:nvPr>
+        </p:nvSpPr>
+        <p:spPr/>
+        <p:txBody>
+          <a:bodyPr/>
+          <a:lstStyle/>
+          <a:p>
+            <a:fld id="{CEC0AAC7-8520-F247-8403-A58CC6F5AB4A}" type="slidenum">
+              <a:rPr lang="en-US" smtClean="0"/>
+              <a:t>16</a:t>
+            </a:fld>
+            <a:endParaRPr lang="en-US"/>
+          </a:p>
+        </p:txBody>
+      </p:sp>
+    </p:spTree>
+    <p:extLst>
+      <p:ext uri="{BB962C8B-B14F-4D97-AF65-F5344CB8AC3E}">
+        <p14:creationId xmlns:p14="http://schemas.microsoft.com/office/powerpoint/2010/main" val="2618931749"/>
+      </p:ext>
+    </p:extLst>
+  </p:cSld>
+  <p:clrMapOvr>
+    <a:masterClrMapping/>
+  </p:clrMapOvr>
+</p:notes>
+</file>
+
+<file path=ppt/notesSlides/notesSlide16.xml><?xml version="1.0" encoding="utf-8"?>
+<p:notes xmlns:a="http://schemas.openxmlformats.org/drawingml/2006/main" xmlns:r="http://schemas.openxmlformats.org/officeDocument/2006/relationships" xmlns:p="http://schemas.openxmlformats.org/presentationml/2006/main">
+  <p:cSld>
+    <p:spTree>
+      <p:nvGrpSpPr>
+        <p:cNvPr id="1" name=""/>
+        <p:cNvGrpSpPr/>
+        <p:nvPr/>
+      </p:nvGrpSpPr>
+      <p:grpSpPr>
+        <a:xfrm>
+          <a:off x="0" y="0"/>
+          <a:ext cx="0" cy="0"/>
+          <a:chOff x="0" y="0"/>
+          <a:chExt cx="0" cy="0"/>
+        </a:xfrm>
+      </p:grpSpPr>
+      <p:sp>
+        <p:nvSpPr>
+          <p:cNvPr id="2" name="Slide Image Placeholder 1"/>
+          <p:cNvSpPr>
+            <a:spLocks noGrp="1" noRot="1" noChangeAspect="1"/>
+          </p:cNvSpPr>
+          <p:nvPr>
+            <p:ph type="sldImg"/>
+          </p:nvPr>
+        </p:nvSpPr>
+        <p:spPr/>
+      </p:sp>
+      <p:sp>
+        <p:nvSpPr>
+          <p:cNvPr id="3" name="Notes Placeholder 2"/>
+          <p:cNvSpPr>
+            <a:spLocks noGrp="1"/>
+          </p:cNvSpPr>
+          <p:nvPr>
+            <p:ph type="body" idx="1"/>
+          </p:nvPr>
+        </p:nvSpPr>
+        <p:spPr/>
+        <p:txBody>
+          <a:bodyPr/>
+          <a:lstStyle/>
+          <a:p>
+            <a:r>
+              <a:rPr lang="en-US" dirty="0" smtClean="0"/>
+              <a:t>To get the return value for a callable, you need</a:t>
+            </a:r>
+            <a:r>
+              <a:rPr lang="en-US" baseline="0" dirty="0" smtClean="0"/>
+              <a:t> to use a future.  </a:t>
+            </a:r>
+          </a:p>
+          <a:p>
+            <a:r>
+              <a:rPr lang="en-US" baseline="0" dirty="0" smtClean="0"/>
+              <a:t>The future saves the return value in a variable, but it doesn’t save it now, it waits until you ask for it.</a:t>
+            </a:r>
+          </a:p>
+          <a:p>
+            <a:endParaRPr lang="en-US" baseline="0" dirty="0" smtClean="0"/>
+          </a:p>
+          <a:p>
+            <a:r>
+              <a:rPr lang="en-US" baseline="0" dirty="0" smtClean="0"/>
+              <a:t>To get it in the future, use get()  Get is blocking, so you don’t want to use it too soon.</a:t>
+            </a:r>
+          </a:p>
+          <a:p>
+            <a:r>
+              <a:rPr lang="en-US" baseline="0" dirty="0" smtClean="0"/>
+              <a:t>Also, to prevent it running forever if the answer is never returned, put a timeout value.</a:t>
+            </a:r>
+            <a:endParaRPr lang="en-US" dirty="0"/>
+          </a:p>
+        </p:txBody>
+      </p:sp>
+      <p:sp>
+        <p:nvSpPr>
+          <p:cNvPr id="4" name="Slide Number Placeholder 3"/>
+          <p:cNvSpPr>
+            <a:spLocks noGrp="1"/>
+          </p:cNvSpPr>
+          <p:nvPr>
+            <p:ph type="sldNum" sz="quarter" idx="10"/>
+          </p:nvPr>
+        </p:nvSpPr>
+        <p:spPr/>
+        <p:txBody>
+          <a:bodyPr/>
+          <a:lstStyle/>
+          <a:p>
+            <a:fld id="{CEC0AAC7-8520-F247-8403-A58CC6F5AB4A}" type="slidenum">
+              <a:rPr lang="en-US" smtClean="0"/>
+              <a:t>17</a:t>
+            </a:fld>
+            <a:endParaRPr lang="en-US"/>
+          </a:p>
+        </p:txBody>
+      </p:sp>
+    </p:spTree>
+    <p:extLst>
+      <p:ext uri="{BB962C8B-B14F-4D97-AF65-F5344CB8AC3E}">
+        <p14:creationId xmlns:p14="http://schemas.microsoft.com/office/powerpoint/2010/main" val="493922348"/>
+      </p:ext>
+    </p:extLst>
+  </p:cSld>
+  <p:clrMapOvr>
+    <a:masterClrMapping/>
+  </p:clrMapOvr>
+</p:notes>
+</file>
+
+<file path=ppt/notesSlides/notesSlide17.xml><?xml version="1.0" encoding="utf-8"?>
+<p:notes xmlns:a="http://schemas.openxmlformats.org/drawingml/2006/main" xmlns:r="http://schemas.openxmlformats.org/officeDocument/2006/relationships" xmlns:p="http://schemas.openxmlformats.org/presentationml/2006/main">
+  <p:cSld>
+    <p:spTree>
+      <p:nvGrpSpPr>
+        <p:cNvPr id="1" name=""/>
+        <p:cNvGrpSpPr/>
+        <p:nvPr/>
+      </p:nvGrpSpPr>
+      <p:grpSpPr>
+        <a:xfrm>
+          <a:off x="0" y="0"/>
+          <a:ext cx="0" cy="0"/>
+          <a:chOff x="0" y="0"/>
+          <a:chExt cx="0" cy="0"/>
+        </a:xfrm>
+      </p:grpSpPr>
+      <p:sp>
+        <p:nvSpPr>
+          <p:cNvPr id="2" name="Slide Image Placeholder 1"/>
+          <p:cNvSpPr>
+            <a:spLocks noGrp="1" noRot="1" noChangeAspect="1"/>
+          </p:cNvSpPr>
+          <p:nvPr>
+            <p:ph type="sldImg"/>
+          </p:nvPr>
+        </p:nvSpPr>
+        <p:spPr/>
+      </p:sp>
+      <p:sp>
+        <p:nvSpPr>
+          <p:cNvPr id="3" name="Notes Placeholder 2"/>
+          <p:cNvSpPr>
+            <a:spLocks noGrp="1"/>
+          </p:cNvSpPr>
+          <p:nvPr>
+            <p:ph type="body" idx="1"/>
+          </p:nvPr>
+        </p:nvSpPr>
+        <p:spPr/>
+        <p:txBody>
+          <a:bodyPr/>
+          <a:lstStyle/>
+          <a:p>
+            <a:r>
+              <a:rPr lang="en-US" dirty="0" smtClean="0"/>
+              <a:t>You can submit</a:t>
+            </a:r>
+            <a:r>
+              <a:rPr lang="en-US" baseline="0" dirty="0" smtClean="0"/>
+              <a:t> multiple callables at once using InvokeAll or InvokeAny.</a:t>
+            </a:r>
+          </a:p>
+          <a:p>
+            <a:r>
+              <a:rPr lang="en-US" baseline="0" dirty="0" smtClean="0"/>
+              <a:t>InvokeAll will return all of the return values.</a:t>
+            </a:r>
+          </a:p>
+          <a:p>
+            <a:r>
+              <a:rPr lang="en-US" baseline="0" dirty="0" smtClean="0"/>
+              <a:t>InvokeAny will only return the first return value.</a:t>
+            </a:r>
+          </a:p>
+          <a:p>
+            <a:endParaRPr lang="en-US" baseline="0" dirty="0" smtClean="0"/>
+          </a:p>
+          <a:p>
+            <a:r>
+              <a:rPr lang="en-US" baseline="0" dirty="0" smtClean="0"/>
+              <a:t>Here the future is not being saved to a variable, it is just being gotten.</a:t>
+            </a:r>
+            <a:endParaRPr lang="en-US" dirty="0"/>
+          </a:p>
+        </p:txBody>
+      </p:sp>
+      <p:sp>
+        <p:nvSpPr>
+          <p:cNvPr id="4" name="Slide Number Placeholder 3"/>
+          <p:cNvSpPr>
+            <a:spLocks noGrp="1"/>
+          </p:cNvSpPr>
+          <p:nvPr>
+            <p:ph type="sldNum" sz="quarter" idx="10"/>
+          </p:nvPr>
+        </p:nvSpPr>
+        <p:spPr/>
+        <p:txBody>
+          <a:bodyPr/>
+          <a:lstStyle/>
+          <a:p>
+            <a:fld id="{CEC0AAC7-8520-F247-8403-A58CC6F5AB4A}" type="slidenum">
+              <a:rPr lang="en-US" smtClean="0"/>
+              <a:t>18</a:t>
+            </a:fld>
+            <a:endParaRPr lang="en-US"/>
+          </a:p>
+        </p:txBody>
+      </p:sp>
+    </p:spTree>
+    <p:extLst>
+      <p:ext uri="{BB962C8B-B14F-4D97-AF65-F5344CB8AC3E}">
+        <p14:creationId xmlns:p14="http://schemas.microsoft.com/office/powerpoint/2010/main" val="2000927058"/>
+      </p:ext>
+    </p:extLst>
+  </p:cSld>
+  <p:clrMapOvr>
+    <a:masterClrMapping/>
+  </p:clrMapOvr>
+</p:notes>
+</file>
+
+<file path=ppt/notesSlides/notesSlide18.xml><?xml version="1.0" encoding="utf-8"?>
+<p:notes xmlns:a="http://schemas.openxmlformats.org/drawingml/2006/main" xmlns:r="http://schemas.openxmlformats.org/officeDocument/2006/relationships" xmlns:p="http://schemas.openxmlformats.org/presentationml/2006/main">
+  <p:cSld>
+    <p:spTree>
+      <p:nvGrpSpPr>
+        <p:cNvPr id="1" name=""/>
+        <p:cNvGrpSpPr/>
+        <p:nvPr/>
+      </p:nvGrpSpPr>
+      <p:grpSpPr>
+        <a:xfrm>
+          <a:off x="0" y="0"/>
+          <a:ext cx="0" cy="0"/>
+          <a:chOff x="0" y="0"/>
+          <a:chExt cx="0" cy="0"/>
+        </a:xfrm>
+      </p:grpSpPr>
+      <p:sp>
+        <p:nvSpPr>
+          <p:cNvPr id="2" name="Slide Image Placeholder 1"/>
+          <p:cNvSpPr>
+            <a:spLocks noGrp="1" noRot="1" noChangeAspect="1"/>
+          </p:cNvSpPr>
+          <p:nvPr>
+            <p:ph type="sldImg"/>
+          </p:nvPr>
+        </p:nvSpPr>
+        <p:spPr/>
+      </p:sp>
+      <p:sp>
+        <p:nvSpPr>
+          <p:cNvPr id="3" name="Notes Placeholder 2"/>
+          <p:cNvSpPr>
+            <a:spLocks noGrp="1"/>
+          </p:cNvSpPr>
+          <p:nvPr>
+            <p:ph type="body" idx="1"/>
+          </p:nvPr>
+        </p:nvSpPr>
+        <p:spPr/>
+        <p:txBody>
+          <a:bodyPr/>
+          <a:lstStyle/>
+          <a:p>
+            <a:endParaRPr lang="en-US" dirty="0"/>
+          </a:p>
+        </p:txBody>
+      </p:sp>
+      <p:sp>
+        <p:nvSpPr>
+          <p:cNvPr id="4" name="Slide Number Placeholder 3"/>
+          <p:cNvSpPr>
+            <a:spLocks noGrp="1"/>
+          </p:cNvSpPr>
+          <p:nvPr>
+            <p:ph type="sldNum" sz="quarter" idx="10"/>
+          </p:nvPr>
+        </p:nvSpPr>
+        <p:spPr/>
+        <p:txBody>
+          <a:bodyPr/>
+          <a:lstStyle/>
+          <a:p>
+            <a:fld id="{CEC0AAC7-8520-F247-8403-A58CC6F5AB4A}" type="slidenum">
+              <a:rPr lang="en-US" smtClean="0"/>
+              <a:t>19</a:t>
+            </a:fld>
+            <a:endParaRPr lang="en-US"/>
+          </a:p>
+        </p:txBody>
+      </p:sp>
+    </p:spTree>
+    <p:extLst>
+      <p:ext uri="{BB962C8B-B14F-4D97-AF65-F5344CB8AC3E}">
+        <p14:creationId xmlns:p14="http://schemas.microsoft.com/office/powerpoint/2010/main" val="3558668814"/>
       </p:ext>
     </p:extLst>
   </p:cSld>
@@ -726,50 +1610,6 @@
           <a:bodyPr/>
           <a:lstStyle/>
           <a:p>
-            <a:r>
-              <a:rPr lang="en-US" dirty="0" smtClean="0"/>
-              <a:t>First create a class that</a:t>
-            </a:r>
-            <a:r>
-              <a:rPr lang="en-US" baseline="0" dirty="0" smtClean="0"/>
-              <a:t> extends Thread.</a:t>
-            </a:r>
-          </a:p>
-          <a:p>
-            <a:r>
-              <a:rPr lang="en-US" baseline="0" dirty="0" smtClean="0"/>
-              <a:t>It must have the run() method to extend Thread.  In run should be any logic that the thread will perform.</a:t>
-            </a:r>
-          </a:p>
-          <a:p>
-            <a:endParaRPr lang="en-US" baseline="0" dirty="0" smtClean="0"/>
-          </a:p>
-          <a:p>
-            <a:r>
-              <a:rPr lang="en-US" baseline="0" dirty="0" smtClean="0"/>
-              <a:t>The main class is where you create and run the thread.  First, create new instance of the class where the run method is.</a:t>
-            </a:r>
-          </a:p>
-          <a:p>
-            <a:r>
-              <a:rPr lang="en-US" baseline="0" dirty="0" smtClean="0"/>
-              <a:t>Then create a new thread with the class instance as an argument.</a:t>
-            </a:r>
-          </a:p>
-          <a:p>
-            <a:r>
-              <a:rPr lang="en-US" baseline="0" dirty="0" smtClean="0"/>
-              <a:t>Then start the thread with the start method.  Start calls the run method in the class instance.  Which causes the thread to become runnable.  When it has finished, the thread dies.</a:t>
-            </a:r>
-          </a:p>
-          <a:p>
-            <a:endParaRPr lang="en-US" baseline="0" dirty="0" smtClean="0"/>
-          </a:p>
-          <a:p>
-            <a:r>
-              <a:rPr lang="en-US" baseline="0" dirty="0" smtClean="0"/>
-              <a:t>This code can be simplified to one line. create thread, and start all at once.  Drawback to this is it can’t be referenced again. </a:t>
-            </a:r>
             <a:endParaRPr lang="en-US" dirty="0"/>
           </a:p>
         </p:txBody>
@@ -791,7 +1631,7 @@
           <a:p>
             <a:fld id="{CEC0AAC7-8520-F247-8403-A58CC6F5AB4A}" type="slidenum">
               <a:rPr lang="en-US" smtClean="0"/>
-              <a:t>6</a:t>
+              <a:t>2</a:t>
             </a:fld>
             <a:endParaRPr lang="en-US"/>
           </a:p>
@@ -800,7 +1640,7 @@
     </p:spTree>
     <p:extLst>
       <p:ext uri="{BB962C8B-B14F-4D97-AF65-F5344CB8AC3E}">
-        <p14:creationId xmlns:p14="http://schemas.microsoft.com/office/powerpoint/2010/main" val="1416003945"/>
+        <p14:creationId xmlns:p14="http://schemas.microsoft.com/office/powerpoint/2010/main" val="232903427"/>
       </p:ext>
     </p:extLst>
   </p:cSld>
@@ -856,47 +1696,35 @@
           <a:p>
             <a:r>
               <a:rPr lang="en-US" dirty="0" smtClean="0"/>
-              <a:t>First create a class that</a:t>
+              <a:t>New: A new</a:t>
             </a:r>
             <a:r>
               <a:rPr lang="en-US" baseline="0" dirty="0" smtClean="0"/>
-              <a:t> extends Thread.</a:t>
+              <a:t> thread has been created but not started.  AKA a born thread.</a:t>
             </a:r>
           </a:p>
           <a:p>
             <a:r>
               <a:rPr lang="en-US" baseline="0" dirty="0" smtClean="0"/>
-              <a:t>It must have the run() method to extend Thread.  In run should be any logic that the thread will perform.</a:t>
-            </a:r>
-          </a:p>
-          <a:p>
-            <a:endParaRPr lang="en-US" baseline="0" dirty="0" smtClean="0"/>
+              <a:t>Runnable: After thread is started, it is runnable.</a:t>
+            </a:r>
           </a:p>
           <a:p>
             <a:r>
               <a:rPr lang="en-US" baseline="0" dirty="0" smtClean="0"/>
-              <a:t>The main class is where you create and run the thread.  First, create new instance of the class where the run method is.</a:t>
+              <a:t>Waiting: If the thread is waiting for another thread to perform a task.  Transitions back to runnable when another thread signals it to continue.</a:t>
             </a:r>
           </a:p>
           <a:p>
             <a:r>
               <a:rPr lang="en-US" baseline="0" dirty="0" smtClean="0"/>
-              <a:t>Then create a new thread with the class instance as an argument.</a:t>
+              <a:t>Time Waiting: A thread may be set to wait for an interval of time. Transitions back to running when time expires.</a:t>
             </a:r>
           </a:p>
           <a:p>
             <a:r>
               <a:rPr lang="en-US" baseline="0" dirty="0" smtClean="0"/>
-              <a:t>Then start the thread with the start method.  Start calls the run method in the class instance.  Which causes the thread to become runnable.  When it has finished, the thread dies.</a:t>
-            </a:r>
-          </a:p>
-          <a:p>
-            <a:endParaRPr lang="en-US" baseline="0" dirty="0" smtClean="0"/>
-          </a:p>
-          <a:p>
-            <a:r>
-              <a:rPr lang="en-US" baseline="0" dirty="0" smtClean="0"/>
-              <a:t>This code can be simplified to one line. create thread, and start all at once.  Drawback to this is it can’t be referenced again. </a:t>
+              <a:t>Terminated or Dead: Once it completes a task or is terminated.</a:t>
             </a:r>
             <a:endParaRPr lang="en-US" dirty="0"/>
           </a:p>
@@ -919,7 +1747,7 @@
           <a:p>
             <a:fld id="{CEC0AAC7-8520-F247-8403-A58CC6F5AB4A}" type="slidenum">
               <a:rPr lang="en-US" smtClean="0"/>
-              <a:t>7</a:t>
+              <a:t>3</a:t>
             </a:fld>
             <a:endParaRPr lang="en-US"/>
           </a:p>
@@ -928,7 +1756,7 @@
     </p:spTree>
     <p:extLst>
       <p:ext uri="{BB962C8B-B14F-4D97-AF65-F5344CB8AC3E}">
-        <p14:creationId xmlns:p14="http://schemas.microsoft.com/office/powerpoint/2010/main" val="1416003945"/>
+        <p14:creationId xmlns:p14="http://schemas.microsoft.com/office/powerpoint/2010/main" val="3063051330"/>
       </p:ext>
     </p:extLst>
   </p:cSld>
@@ -984,57 +1812,25 @@
           <a:p>
             <a:r>
               <a:rPr lang="en-US" dirty="0" smtClean="0"/>
-              <a:t>Benefits:</a:t>
+              <a:t>Remember, we can create a specific kind of thread or</a:t>
             </a:r>
             <a:r>
               <a:rPr lang="en-US" baseline="0" dirty="0" smtClean="0"/>
-              <a:t> It has the same functionality of Runnables but it has additional methods.</a:t>
+              <a:t> we can create a runnable and assign it to a generic thread.</a:t>
             </a:r>
           </a:p>
           <a:p>
             <a:r>
               <a:rPr lang="en-US" baseline="0" dirty="0" smtClean="0"/>
-              <a:t>Sleep() causes thread to sleep for specified length of time</a:t>
+              <a:t>This is the preferred method because it is more flexible.  You can extend another class.</a:t>
             </a:r>
           </a:p>
           <a:p>
             <a:r>
               <a:rPr lang="en-US" baseline="0" dirty="0" smtClean="0"/>
-              <a:t>setName() names the thread, so instead of thread-1, it could be named MessageThread</a:t>
-            </a:r>
-          </a:p>
-          <a:p>
-            <a:r>
-              <a:rPr lang="en-US" baseline="0" dirty="0" smtClean="0"/>
-              <a:t>setPriority() make higher or lower than others. Doesn’t guarantee it will execute before other threads with lower priority.</a:t>
-            </a:r>
-          </a:p>
-          <a:p>
-            <a:r>
-              <a:rPr lang="en-US" baseline="0" dirty="0" smtClean="0"/>
-              <a:t>dumpStack() prints the stack trace for that thread, useful for debugging</a:t>
-            </a:r>
-          </a:p>
-          <a:p>
-            <a:r>
-              <a:rPr lang="en-US" baseline="0" dirty="0" smtClean="0"/>
-              <a:t>setDaemon() makes it so program can close without thread ending.</a:t>
-            </a:r>
-          </a:p>
-          <a:p>
-            <a:endParaRPr lang="en-US" baseline="0" dirty="0" smtClean="0"/>
-          </a:p>
-          <a:p>
-            <a:r>
-              <a:rPr lang="en-US" baseline="0" dirty="0" smtClean="0"/>
-              <a:t>Drawbacks</a:t>
-            </a:r>
-          </a:p>
-          <a:p>
-            <a:r>
-              <a:rPr lang="en-US" baseline="0" dirty="0" smtClean="0"/>
-              <a:t>You can only extend one class, so it limits your options for extending other classes.</a:t>
-            </a:r>
+              <a:t>You can also use lambda expressions, like a shorthand way of writing the code.</a:t>
+            </a:r>
+            <a:endParaRPr lang="en-US" dirty="0"/>
           </a:p>
         </p:txBody>
       </p:sp>
@@ -1055,7 +1851,7 @@
           <a:p>
             <a:fld id="{CEC0AAC7-8520-F247-8403-A58CC6F5AB4A}" type="slidenum">
               <a:rPr lang="en-US" smtClean="0"/>
-              <a:t>8</a:t>
+              <a:t>4</a:t>
             </a:fld>
             <a:endParaRPr lang="en-US"/>
           </a:p>
@@ -1064,7 +1860,7 @@
     </p:spTree>
     <p:extLst>
       <p:ext uri="{BB962C8B-B14F-4D97-AF65-F5344CB8AC3E}">
-        <p14:creationId xmlns:p14="http://schemas.microsoft.com/office/powerpoint/2010/main" val="920827308"/>
+        <p14:creationId xmlns:p14="http://schemas.microsoft.com/office/powerpoint/2010/main" val="2040336249"/>
       </p:ext>
     </p:extLst>
   </p:cSld>
@@ -1183,7 +1979,7 @@
           <a:p>
             <a:fld id="{CEC0AAC7-8520-F247-8403-A58CC6F5AB4A}" type="slidenum">
               <a:rPr lang="en-US" smtClean="0"/>
-              <a:t>9</a:t>
+              <a:t>5</a:t>
             </a:fld>
             <a:endParaRPr lang="en-US"/>
           </a:p>
@@ -1248,17 +2044,47 @@
           <a:p>
             <a:r>
               <a:rPr lang="en-US" dirty="0" smtClean="0"/>
-              <a:t>Rather than creating a thread</a:t>
+              <a:t>First create a class that</a:t>
             </a:r>
             <a:r>
               <a:rPr lang="en-US" baseline="0" dirty="0" smtClean="0"/>
-              <a:t> each time you need one, you can create an executor or executor service to handle creation and assigning of tasks. </a:t>
+              <a:t> extends Thread.</a:t>
             </a:r>
           </a:p>
           <a:p>
             <a:r>
               <a:rPr lang="en-US" baseline="0" dirty="0" smtClean="0"/>
-              <a:t>You submit the task to the executor service, which assigns tasks to the threads.  As a thread becomes available, it is given a new task.</a:t>
+              <a:t>It must have the run() method to extend Thread.  In run should be any logic that the thread will perform.</a:t>
+            </a:r>
+          </a:p>
+          <a:p>
+            <a:endParaRPr lang="en-US" baseline="0" dirty="0" smtClean="0"/>
+          </a:p>
+          <a:p>
+            <a:r>
+              <a:rPr lang="en-US" baseline="0" dirty="0" smtClean="0"/>
+              <a:t>The main class is where you create and run the thread.  First, create new instance of the class where the run method is.</a:t>
+            </a:r>
+          </a:p>
+          <a:p>
+            <a:r>
+              <a:rPr lang="en-US" baseline="0" dirty="0" smtClean="0"/>
+              <a:t>Then create a new thread with the class instance as an argument.</a:t>
+            </a:r>
+          </a:p>
+          <a:p>
+            <a:r>
+              <a:rPr lang="en-US" baseline="0" dirty="0" smtClean="0"/>
+              <a:t>Then start the thread with the start method.  Start calls the run method in the class instance.  Which causes the thread to become runnable.  When it has finished, the thread dies.</a:t>
+            </a:r>
+          </a:p>
+          <a:p>
+            <a:endParaRPr lang="en-US" baseline="0" dirty="0" smtClean="0"/>
+          </a:p>
+          <a:p>
+            <a:r>
+              <a:rPr lang="en-US" baseline="0" dirty="0" smtClean="0"/>
+              <a:t>This code can be simplified to one line. create thread, and start all at once.  Drawback to this is it can’t be referenced again. </a:t>
             </a:r>
             <a:endParaRPr lang="en-US" dirty="0"/>
           </a:p>
@@ -1281,7 +2107,7 @@
           <a:p>
             <a:fld id="{CEC0AAC7-8520-F247-8403-A58CC6F5AB4A}" type="slidenum">
               <a:rPr lang="en-US" smtClean="0"/>
-              <a:t>11</a:t>
+              <a:t>6</a:t>
             </a:fld>
             <a:endParaRPr lang="en-US"/>
           </a:p>
@@ -1290,7 +2116,7 @@
     </p:spTree>
     <p:extLst>
       <p:ext uri="{BB962C8B-B14F-4D97-AF65-F5344CB8AC3E}">
-        <p14:creationId xmlns:p14="http://schemas.microsoft.com/office/powerpoint/2010/main" val="2385096317"/>
+        <p14:creationId xmlns:p14="http://schemas.microsoft.com/office/powerpoint/2010/main" val="1416003945"/>
       </p:ext>
     </p:extLst>
   </p:cSld>
@@ -1346,17 +2172,36 @@
           <a:p>
             <a:r>
               <a:rPr lang="en-US" dirty="0" smtClean="0"/>
-              <a:t>Also there</a:t>
+              <a:t>The other thing you can do is create a specific thread</a:t>
             </a:r>
             <a:r>
               <a:rPr lang="en-US" baseline="0" dirty="0" smtClean="0"/>
-              <a:t> is a </a:t>
-            </a:r>
-            <a:r>
-              <a:rPr lang="en-US" dirty="0" smtClean="0"/>
-              <a:t>Fork/Join Executor</a:t>
-            </a:r>
-            <a:endParaRPr lang="en-US" dirty="0"/>
+              <a:t> class that does one task. This is not the preferred method because it is less flexible.</a:t>
+            </a:r>
+          </a:p>
+          <a:p>
+            <a:endParaRPr lang="en-US" dirty="0" smtClean="0"/>
+          </a:p>
+          <a:p>
+            <a:endParaRPr lang="en-US" baseline="0" dirty="0" smtClean="0"/>
+          </a:p>
+          <a:p>
+            <a:r>
+              <a:rPr lang="en-US" baseline="0" dirty="0" smtClean="0"/>
+              <a:t>Drawbacks</a:t>
+            </a:r>
+          </a:p>
+          <a:p>
+            <a:r>
+              <a:rPr lang="en-US" baseline="0" dirty="0" smtClean="0"/>
+              <a:t>You can only extend one class, so it limits your options for extending other classes.</a:t>
+            </a:r>
+          </a:p>
+          <a:p>
+            <a:r>
+              <a:rPr lang="en-US" baseline="0" dirty="0" smtClean="0"/>
+              <a:t>Only do this if you are going to override more than just the run method.</a:t>
+            </a:r>
           </a:p>
         </p:txBody>
       </p:sp>
@@ -1377,7 +2222,7 @@
           <a:p>
             <a:fld id="{CEC0AAC7-8520-F247-8403-A58CC6F5AB4A}" type="slidenum">
               <a:rPr lang="en-US" smtClean="0"/>
-              <a:t>12</a:t>
+              <a:t>7</a:t>
             </a:fld>
             <a:endParaRPr lang="en-US"/>
           </a:p>
@@ -1386,7 +2231,7 @@
     </p:spTree>
     <p:extLst>
       <p:ext uri="{BB962C8B-B14F-4D97-AF65-F5344CB8AC3E}">
-        <p14:creationId xmlns:p14="http://schemas.microsoft.com/office/powerpoint/2010/main" val="1416003945"/>
+        <p14:creationId xmlns:p14="http://schemas.microsoft.com/office/powerpoint/2010/main" val="920827308"/>
       </p:ext>
     </p:extLst>
   </p:cSld>
@@ -1505,7 +2350,7 @@
           <a:p>
             <a:fld id="{CEC0AAC7-8520-F247-8403-A58CC6F5AB4A}" type="slidenum">
               <a:rPr lang="en-US" smtClean="0"/>
-              <a:t>13</a:t>
+              <a:t>8</a:t>
             </a:fld>
             <a:endParaRPr lang="en-US"/>
           </a:p>
@@ -1570,17 +2415,40 @@
           <a:p>
             <a:r>
               <a:rPr lang="en-US" dirty="0" smtClean="0"/>
-              <a:t>First create a class that</a:t>
+              <a:t>Rather than creating a thread</a:t>
             </a:r>
             <a:r>
               <a:rPr lang="en-US" baseline="0" dirty="0" smtClean="0"/>
-              <a:t> extends Thread.</a:t>
-            </a:r>
-          </a:p>
-          <a:p>
+              <a:t> each time you need one, you can create an executor or executor service to handle creation and assigning of tasks. </a:t>
+            </a:r>
+          </a:p>
+          <a:p>
+            <a:pPr marL="0" marR="0" indent="0" algn="l" defTabSz="457200" rtl="0" eaLnBrk="1" fontAlgn="auto" latinLnBrk="0" hangingPunct="1">
+              <a:lnSpc>
+                <a:spcPct val="100000"/>
+              </a:lnSpc>
+              <a:spcBef>
+                <a:spcPts val="0"/>
+              </a:spcBef>
+              <a:spcAft>
+                <a:spcPts val="0"/>
+              </a:spcAft>
+              <a:buClrTx/>
+              <a:buSzTx/>
+              <a:buFontTx/>
+              <a:buNone/>
+              <a:tabLst/>
+              <a:defRPr/>
+            </a:pPr>
             <a:r>
               <a:rPr lang="en-US" baseline="0" dirty="0" smtClean="0"/>
-              <a:t>It must have the run() method to extend Thread.  In run should be any logic that the thread will perform.</a:t>
+              <a:t>Like hiring a manager and a pool of employees. Threads don’t leave when they are done, they come back to the pool to be reassigned. </a:t>
+            </a:r>
+          </a:p>
+          <a:p>
+            <a:r>
+              <a:rPr lang="en-US" baseline="0" dirty="0" smtClean="0"/>
+              <a:t>You submit the task to the executor service, which assigns tasks to the threads.  As a thread becomes available, it is given a new task. </a:t>
             </a:r>
           </a:p>
           <a:p>
@@ -1589,31 +2457,10 @@
           <a:p>
             <a:r>
               <a:rPr lang="en-US" baseline="0" dirty="0" smtClean="0"/>
-              <a:t>The main class is where you create and run the thread.  First, create new instance of the class where the run method is.</a:t>
-            </a:r>
-          </a:p>
-          <a:p>
-            <a:r>
-              <a:rPr lang="en-US" baseline="0" dirty="0" smtClean="0"/>
-              <a:t>Then create a new thread with the class instance as an argument.</a:t>
-            </a:r>
-          </a:p>
-          <a:p>
-            <a:r>
-              <a:rPr lang="en-US" baseline="0" dirty="0" smtClean="0"/>
-              <a:t>Then start the thread with the start method.  Start calls the run method in the class instance.  Which causes the thread to become runnable.  When it has finished, the thread dies.</a:t>
-            </a:r>
-          </a:p>
-          <a:p>
+              <a:t>Carefully choose the thread pool size.  Too many threads take up space, but not enough will slow your program.</a:t>
+            </a:r>
             <a:endParaRPr lang="en-US" baseline="0" dirty="0" smtClean="0"/>
           </a:p>
-          <a:p>
-            <a:r>
-              <a:rPr lang="en-US" baseline="0" dirty="0" smtClean="0"/>
-              <a:t>This code can be simplified to one line. create thread, and start all at once.  Drawback to this is it can’t be referenced again. </a:t>
-            </a:r>
-            <a:endParaRPr lang="en-US" dirty="0"/>
-          </a:p>
         </p:txBody>
       </p:sp>
       <p:sp>
@@ -1633,7 +2480,7 @@
           <a:p>
             <a:fld id="{CEC0AAC7-8520-F247-8403-A58CC6F5AB4A}" type="slidenum">
               <a:rPr lang="en-US" smtClean="0"/>
-              <a:t>14</a:t>
+              <a:t>10</a:t>
             </a:fld>
             <a:endParaRPr lang="en-US"/>
           </a:p>
@@ -1642,7 +2489,7 @@
     </p:spTree>
     <p:extLst>
       <p:ext uri="{BB962C8B-B14F-4D97-AF65-F5344CB8AC3E}">
-        <p14:creationId xmlns:p14="http://schemas.microsoft.com/office/powerpoint/2010/main" val="1416003945"/>
+        <p14:creationId xmlns:p14="http://schemas.microsoft.com/office/powerpoint/2010/main" val="920827308"/>
       </p:ext>
     </p:extLst>
   </p:cSld>
@@ -4650,41 +5497,249 @@
             <p:ph type="ctrTitle"/>
           </p:nvPr>
         </p:nvSpPr>
-        <p:spPr/>
+        <p:spPr>
+          <a:xfrm>
+            <a:off x="685800" y="308365"/>
+            <a:ext cx="7772400" cy="1470025"/>
+          </a:xfrm>
+        </p:spPr>
         <p:txBody>
           <a:bodyPr/>
           <a:lstStyle/>
           <a:p>
             <a:r>
               <a:rPr lang="en-US" dirty="0" smtClean="0"/>
-              <a:t>Threads, Executors, </a:t>
+              <a:t>Threads and Executors </a:t>
             </a:r>
             <a:br>
               <a:rPr lang="en-US" dirty="0" smtClean="0"/>
             </a:br>
+            <a:endParaRPr lang="en-US" dirty="0"/>
+          </a:p>
+        </p:txBody>
+      </p:sp>
+      <p:pic>
+        <p:nvPicPr>
+          <p:cNvPr id="4" name="Picture 3" descr="temporary-employee-black-shirt.png"/>
+          <p:cNvPicPr>
+            <a:picLocks noChangeAspect="1"/>
+          </p:cNvPicPr>
+          <p:nvPr/>
+        </p:nvPicPr>
+        <p:blipFill>
+          <a:blip r:embed="rId3">
+            <a:extLst>
+              <a:ext uri="{28A0092B-C50C-407E-A947-70E740481C1C}">
+                <a14:useLocalDpi xmlns:a14="http://schemas.microsoft.com/office/drawing/2010/main" val="0"/>
+              </a:ext>
+            </a:extLst>
+          </a:blip>
+          <a:stretch>
+            <a:fillRect/>
+          </a:stretch>
+        </p:blipFill>
+        <p:spPr>
+          <a:xfrm>
+            <a:off x="1426559" y="1213913"/>
+            <a:ext cx="2063188" cy="2063188"/>
+          </a:xfrm>
+          <a:prstGeom prst="rect">
+            <a:avLst/>
+          </a:prstGeom>
+        </p:spPr>
+      </p:pic>
+      <p:pic>
+        <p:nvPicPr>
+          <p:cNvPr id="5" name="Picture 4" descr="6a00e54ee3905b883301b7c6d462ab970.jpg"/>
+          <p:cNvPicPr>
+            <a:picLocks noChangeAspect="1"/>
+          </p:cNvPicPr>
+          <p:nvPr/>
+        </p:nvPicPr>
+        <p:blipFill>
+          <a:blip r:embed="rId4">
+            <a:extLst>
+              <a:ext uri="{28A0092B-C50C-407E-A947-70E740481C1C}">
+                <a14:useLocalDpi xmlns:a14="http://schemas.microsoft.com/office/drawing/2010/main" val="0"/>
+              </a:ext>
+            </a:extLst>
+          </a:blip>
+          <a:stretch>
+            <a:fillRect/>
+          </a:stretch>
+        </p:blipFill>
+        <p:spPr>
+          <a:xfrm>
+            <a:off x="5246838" y="1321255"/>
+            <a:ext cx="2914153" cy="1946654"/>
+          </a:xfrm>
+          <a:prstGeom prst="rect">
+            <a:avLst/>
+          </a:prstGeom>
+        </p:spPr>
+      </p:pic>
+      <p:sp>
+        <p:nvSpPr>
+          <p:cNvPr id="7" name="Title 1"/>
+          <p:cNvSpPr txBox="1">
+            <a:spLocks/>
+          </p:cNvSpPr>
+          <p:nvPr/>
+        </p:nvSpPr>
+        <p:spPr>
+          <a:xfrm>
+            <a:off x="2956702" y="3747498"/>
+            <a:ext cx="7772400" cy="1470025"/>
+          </a:xfrm>
+          <a:prstGeom prst="rect">
+            <a:avLst/>
+          </a:prstGeom>
+        </p:spPr>
+        <p:txBody>
+          <a:bodyPr vert="horz" lIns="91440" tIns="45720" rIns="91440" bIns="45720" rtlCol="0" anchor="ctr">
+            <a:normAutofit/>
+          </a:bodyPr>
+          <a:lstStyle>
+            <a:lvl1pPr algn="ctr" defTabSz="457200" rtl="0" eaLnBrk="1" latinLnBrk="0" hangingPunct="1">
+              <a:spcBef>
+                <a:spcPct val="0"/>
+              </a:spcBef>
+              <a:buNone/>
+              <a:defRPr sz="4400" kern="1200">
+                <a:solidFill>
+                  <a:schemeClr val="tx1"/>
+                </a:solidFill>
+                <a:latin typeface="+mj-lt"/>
+                <a:ea typeface="+mj-ea"/>
+                <a:cs typeface="+mj-cs"/>
+              </a:defRPr>
+            </a:lvl1pPr>
+          </a:lstStyle>
+          <a:p>
+            <a:r>
+              <a:rPr lang="en-US" sz="3200" dirty="0" smtClean="0"/>
+              <a:t>Implement Runnable</a:t>
+            </a:r>
             <a:r>
               <a:rPr lang="en-US" dirty="0" smtClean="0"/>
-              <a:t>and Runnables</a:t>
-            </a:r>
+              <a:t/>
+            </a:r>
+            <a:br>
+              <a:rPr lang="en-US" dirty="0" smtClean="0"/>
+            </a:br>
             <a:endParaRPr lang="en-US" dirty="0"/>
           </a:p>
         </p:txBody>
       </p:sp>
-      <p:sp>
-        <p:nvSpPr>
-          <p:cNvPr id="3" name="Subtitle 2"/>
-          <p:cNvSpPr>
-            <a:spLocks noGrp="1"/>
-          </p:cNvSpPr>
-          <p:nvPr>
-            <p:ph type="subTitle" idx="1"/>
-          </p:nvPr>
-        </p:nvSpPr>
-        <p:spPr/>
-        <p:txBody>
-          <a:bodyPr/>
-          <a:lstStyle/>
-          <a:p>
+      <p:pic>
+        <p:nvPicPr>
+          <p:cNvPr id="8" name="Picture 7" descr="Tips-to-Managing-Tasks.jpg"/>
+          <p:cNvPicPr>
+            <a:picLocks noChangeAspect="1"/>
+          </p:cNvPicPr>
+          <p:nvPr/>
+        </p:nvPicPr>
+        <p:blipFill>
+          <a:blip r:embed="rId5">
+            <a:extLst>
+              <a:ext uri="{28A0092B-C50C-407E-A947-70E740481C1C}">
+                <a14:useLocalDpi xmlns:a14="http://schemas.microsoft.com/office/drawing/2010/main" val="0"/>
+              </a:ext>
+            </a:extLst>
+          </a:blip>
+          <a:stretch>
+            <a:fillRect/>
+          </a:stretch>
+        </p:blipFill>
+        <p:spPr>
+          <a:xfrm>
+            <a:off x="5375079" y="4583859"/>
+            <a:ext cx="2898893" cy="1929181"/>
+          </a:xfrm>
+          <a:prstGeom prst="rect">
+            <a:avLst/>
+          </a:prstGeom>
+        </p:spPr>
+      </p:pic>
+      <p:pic>
+        <p:nvPicPr>
+          <p:cNvPr id="10" name="Picture 9" descr="img2.thejournal.jpg"/>
+          <p:cNvPicPr>
+            <a:picLocks noChangeAspect="1"/>
+          </p:cNvPicPr>
+          <p:nvPr/>
+        </p:nvPicPr>
+        <p:blipFill>
+          <a:blip r:embed="rId6">
+            <a:extLst>
+              <a:ext uri="{28A0092B-C50C-407E-A947-70E740481C1C}">
+                <a14:useLocalDpi xmlns:a14="http://schemas.microsoft.com/office/drawing/2010/main" val="0"/>
+              </a:ext>
+            </a:extLst>
+          </a:blip>
+          <a:stretch>
+            <a:fillRect/>
+          </a:stretch>
+        </p:blipFill>
+        <p:spPr>
+          <a:xfrm>
+            <a:off x="1046622" y="4571528"/>
+            <a:ext cx="2912268" cy="1941512"/>
+          </a:xfrm>
+          <a:prstGeom prst="rect">
+            <a:avLst/>
+          </a:prstGeom>
+        </p:spPr>
+      </p:pic>
+      <p:sp>
+        <p:nvSpPr>
+          <p:cNvPr id="11" name="Title 1"/>
+          <p:cNvSpPr txBox="1">
+            <a:spLocks/>
+          </p:cNvSpPr>
+          <p:nvPr/>
+        </p:nvSpPr>
+        <p:spPr>
+          <a:xfrm>
+            <a:off x="-1464400" y="3738306"/>
+            <a:ext cx="7772400" cy="1470025"/>
+          </a:xfrm>
+          <a:prstGeom prst="rect">
+            <a:avLst/>
+          </a:prstGeom>
+        </p:spPr>
+        <p:txBody>
+          <a:bodyPr vert="horz" lIns="91440" tIns="45720" rIns="91440" bIns="45720" rtlCol="0" anchor="ctr">
+            <a:normAutofit/>
+          </a:bodyPr>
+          <a:lstStyle>
+            <a:lvl1pPr algn="ctr" defTabSz="457200" rtl="0" eaLnBrk="1" latinLnBrk="0" hangingPunct="1">
+              <a:spcBef>
+                <a:spcPct val="0"/>
+              </a:spcBef>
+              <a:buNone/>
+              <a:defRPr sz="4400" kern="1200">
+                <a:solidFill>
+                  <a:schemeClr val="tx1"/>
+                </a:solidFill>
+                <a:latin typeface="+mj-lt"/>
+                <a:ea typeface="+mj-ea"/>
+                <a:cs typeface="+mj-cs"/>
+              </a:defRPr>
+            </a:lvl1pPr>
+          </a:lstStyle>
+          <a:p>
+            <a:r>
+              <a:rPr lang="en-US" sz="3200" dirty="0" smtClean="0"/>
+              <a:t>Extend Thread</a:t>
+            </a:r>
+            <a:r>
+              <a:rPr lang="en-US" dirty="0" smtClean="0"/>
+              <a:t/>
+            </a:r>
+            <a:br>
+              <a:rPr lang="en-US" dirty="0" smtClean="0"/>
+            </a:br>
             <a:endParaRPr lang="en-US" dirty="0"/>
           </a:p>
         </p:txBody>
@@ -4736,7 +5791,7 @@
           <a:p>
             <a:r>
               <a:rPr lang="en-US" dirty="0" smtClean="0"/>
-              <a:t>Methods that work with Threads</a:t>
+              <a:t>Create an Executor</a:t>
             </a:r>
             <a:endParaRPr lang="en-US" dirty="0"/>
           </a:p>
@@ -4752,72 +5807,101 @@
             <p:ph idx="1"/>
           </p:nvPr>
         </p:nvSpPr>
-        <p:spPr/>
+        <p:spPr>
+          <a:xfrm>
+            <a:off x="457200" y="3329033"/>
+            <a:ext cx="8229600" cy="4525963"/>
+          </a:xfrm>
+        </p:spPr>
         <p:txBody>
           <a:bodyPr>
-            <a:normAutofit fontScale="92500"/>
+            <a:normAutofit/>
           </a:bodyPr>
           <a:lstStyle/>
           <a:p>
+            <a:pPr marL="0" indent="0" algn="ctr">
+              <a:buNone/>
+            </a:pPr>
+            <a:r>
+              <a:rPr lang="en-US" sz="2400" dirty="0" smtClean="0"/>
+              <a:t>Hire a manager and pool of employees</a:t>
+            </a:r>
+          </a:p>
+          <a:p>
             <a:r>
               <a:rPr lang="en-US" dirty="0" smtClean="0"/>
-              <a:t>sleep(1000);  Causes thread to wait for a time.</a:t>
+              <a:t>Preferred over working with threads directly</a:t>
             </a:r>
           </a:p>
           <a:p>
             <a:r>
               <a:rPr lang="en-US" dirty="0" smtClean="0"/>
-              <a:t>sleep needs try catch for InterruptedException</a:t>
-            </a:r>
-          </a:p>
-          <a:p>
-            <a:r>
-              <a:rPr lang="en-US" dirty="0" err="1" smtClean="0"/>
-              <a:t>currentThread</a:t>
-            </a:r>
+              <a:t>Creating threads individually has overhead.</a:t>
+            </a:r>
+          </a:p>
+          <a:p>
             <a:r>
               <a:rPr lang="en-US" dirty="0" smtClean="0"/>
-              <a:t>(); returns reference to current thread</a:t>
-            </a:r>
-          </a:p>
-          <a:p>
+              <a:t>Carefully choose the size of your thread pool</a:t>
+            </a:r>
+          </a:p>
+          <a:p>
+            <a:pPr lvl="1"/>
             <a:r>
               <a:rPr lang="en-US" dirty="0" smtClean="0"/>
-              <a:t>setPriority(); Sets priority 1 (low) </a:t>
-            </a:r>
-            <a:r>
-              <a:rPr lang="mr-IN" dirty="0" smtClean="0"/>
-              <a:t>–</a:t>
-            </a:r>
+              <a:t>Don’t want unused threads sitting around</a:t>
+            </a:r>
+          </a:p>
+          <a:p>
+            <a:pPr lvl="1"/>
             <a:r>
               <a:rPr lang="en-US" dirty="0" smtClean="0"/>
-              <a:t> 10 (high)</a:t>
-            </a:r>
-          </a:p>
-          <a:p>
-            <a:r>
-              <a:rPr lang="en-US" dirty="0" smtClean="0"/>
-              <a:t>setName(); Sets name of thread</a:t>
-            </a:r>
-          </a:p>
-          <a:p>
-            <a:r>
-              <a:rPr lang="en-US" dirty="0" smtClean="0"/>
-              <a:t>setDaemon(); Sets thread to daemon</a:t>
-            </a:r>
-          </a:p>
-          <a:p>
-            <a:r>
-              <a:rPr lang="en-US" dirty="0" smtClean="0"/>
-              <a:t>dumpStack(); Prints stack trace of current thread</a:t>
-            </a:r>
-          </a:p>
-        </p:txBody>
-      </p:sp>
+              <a:t>Don’t want tasks to take a long time</a:t>
+            </a:r>
+            <a:endParaRPr lang="en-US" dirty="0" smtClean="0"/>
+          </a:p>
+          <a:p>
+            <a:pPr marL="457200" lvl="1" indent="0">
+              <a:buNone/>
+            </a:pPr>
+            <a:endParaRPr lang="en-US" dirty="0" smtClean="0"/>
+          </a:p>
+        </p:txBody>
+      </p:sp>
+      <p:pic>
+        <p:nvPicPr>
+          <p:cNvPr id="5" name="Picture 4" descr="6a00e54ee3905b883301b7c6d462ab970.jpg"/>
+          <p:cNvPicPr>
+            <a:picLocks noChangeAspect="1"/>
+          </p:cNvPicPr>
+          <p:nvPr/>
+        </p:nvPicPr>
+        <p:blipFill>
+          <a:blip r:embed="rId3">
+            <a:extLst>
+              <a:ext uri="{28A0092B-C50C-407E-A947-70E740481C1C}">
+                <a14:useLocalDpi xmlns:a14="http://schemas.microsoft.com/office/drawing/2010/main" val="0"/>
+              </a:ext>
+            </a:extLst>
+          </a:blip>
+          <a:stretch>
+            <a:fillRect/>
+          </a:stretch>
+        </p:blipFill>
+        <p:spPr>
+          <a:xfrm>
+            <a:off x="2988952" y="1265651"/>
+            <a:ext cx="2914153" cy="1946654"/>
+          </a:xfrm>
+          <a:prstGeom prst="rect">
+            <a:avLst/>
+          </a:prstGeom>
+        </p:spPr>
+      </p:pic>
     </p:spTree>
     <p:extLst>
       <p:ext uri="{BB962C8B-B14F-4D97-AF65-F5344CB8AC3E}">
-        <p14:creationId xmlns:p14="http://schemas.microsoft.com/office/powerpoint/2010/main" val="4101953319"/>
+        <p14:creationId xmlns:p14="http://schemas.microsoft.com/office/powerpoint/2010/main" val="1175341286"/>
       </p:ext>
     </p:extLst>
   </p:cSld>
@@ -4844,9 +5928,32 @@
           <a:chExt cx="0" cy="0"/>
         </a:xfrm>
       </p:grpSpPr>
+      <p:sp>
+        <p:nvSpPr>
+          <p:cNvPr id="2" name="Title 1"/>
+          <p:cNvSpPr>
+            <a:spLocks noGrp="1"/>
+          </p:cNvSpPr>
+          <p:nvPr>
+            <p:ph type="title"/>
+          </p:nvPr>
+        </p:nvSpPr>
+        <p:spPr/>
+        <p:txBody>
+          <a:bodyPr/>
+          <a:lstStyle/>
+          <a:p>
+            <a:r>
+              <a:rPr lang="en-US" dirty="0" smtClean="0"/>
+              <a:t>Executors</a:t>
+            </a:r>
+            <a:endParaRPr lang="en-US" dirty="0"/>
+          </a:p>
+        </p:txBody>
+      </p:sp>
       <p:pic>
         <p:nvPicPr>
-          <p:cNvPr id="4" name="Picture 3" descr="Screen Shot 2019-01-18 at 12.03.23 AM.png"/>
+          <p:cNvPr id="7" name="Picture 6" descr="Screen Shot 2019-01-18 at 12.03.23 AM.png"/>
           <p:cNvPicPr>
             <a:picLocks noChangeAspect="1"/>
           </p:cNvPicPr>
@@ -4866,82 +5973,14 @@
         </p:blipFill>
         <p:spPr>
           <a:xfrm>
-            <a:off x="1191499" y="3212305"/>
-            <a:ext cx="6638622" cy="3692733"/>
+            <a:off x="457200" y="1708660"/>
+            <a:ext cx="8128000" cy="4521200"/>
           </a:xfrm>
           <a:prstGeom prst="rect">
             <a:avLst/>
           </a:prstGeom>
         </p:spPr>
       </p:pic>
-      <p:sp>
-        <p:nvSpPr>
-          <p:cNvPr id="2" name="Title 1"/>
-          <p:cNvSpPr>
-            <a:spLocks noGrp="1"/>
-          </p:cNvSpPr>
-          <p:nvPr>
-            <p:ph type="title"/>
-          </p:nvPr>
-        </p:nvSpPr>
-        <p:spPr/>
-        <p:txBody>
-          <a:bodyPr/>
-          <a:lstStyle/>
-          <a:p>
-            <a:r>
-              <a:rPr lang="en-US" dirty="0" smtClean="0"/>
-              <a:t>Executors</a:t>
-            </a:r>
-            <a:endParaRPr lang="en-US" dirty="0"/>
-          </a:p>
-        </p:txBody>
-      </p:sp>
-      <p:sp>
-        <p:nvSpPr>
-          <p:cNvPr id="3" name="Content Placeholder 2"/>
-          <p:cNvSpPr>
-            <a:spLocks noGrp="1"/>
-          </p:cNvSpPr>
-          <p:nvPr>
-            <p:ph idx="1"/>
-          </p:nvPr>
-        </p:nvSpPr>
-        <p:spPr>
-          <a:xfrm>
-            <a:off x="457200" y="1239560"/>
-            <a:ext cx="8229600" cy="3072413"/>
-          </a:xfrm>
-        </p:spPr>
-        <p:txBody>
-          <a:bodyPr/>
-          <a:lstStyle/>
-          <a:p>
-            <a:r>
-              <a:rPr lang="en-US" dirty="0" smtClean="0"/>
-              <a:t>Higher level replacement for working with threads directly.</a:t>
-            </a:r>
-          </a:p>
-          <a:p>
-            <a:r>
-              <a:rPr lang="en-US" dirty="0" smtClean="0"/>
-              <a:t>Simplifies asynchronous tasks. </a:t>
-            </a:r>
-          </a:p>
-          <a:p>
-            <a:r>
-              <a:rPr lang="en-US" dirty="0" smtClean="0"/>
-              <a:t>Create and manage pool of threads</a:t>
-            </a:r>
-          </a:p>
-          <a:p>
-            <a:pPr marL="0" indent="0">
-              <a:buNone/>
-            </a:pPr>
-            <a:endParaRPr lang="en-US" dirty="0"/>
-          </a:p>
-        </p:txBody>
-      </p:sp>
     </p:spTree>
     <p:extLst>
       <p:ext uri="{BB962C8B-B14F-4D97-AF65-F5344CB8AC3E}">
@@ -5887,7 +6926,7 @@
         <p:spPr>
           <a:xfrm>
             <a:off x="520899" y="3278788"/>
-            <a:ext cx="8543124" cy="2185214"/>
+            <a:ext cx="8543124" cy="2923877"/>
           </a:xfrm>
           <a:prstGeom prst="rect">
             <a:avLst/>
@@ -5908,6 +6947,15 @@
               <a:rPr lang="en-US" sz="3200" dirty="0" smtClean="0"/>
               <a:t>:</a:t>
             </a:r>
+          </a:p>
+          <a:p>
+            <a:r>
+              <a:rPr lang="en-US" sz="2400" dirty="0" smtClean="0"/>
+              <a:t>Like telling your employee purchase something, and bring it back.</a:t>
+            </a:r>
+          </a:p>
+          <a:p>
+            <a:endParaRPr lang="en-US" sz="2400" dirty="0" smtClean="0"/>
           </a:p>
           <a:p>
             <a:pPr marL="457200" indent="-457200">
@@ -6014,6 +7062,261 @@
         </p:nvSpPr>
         <p:spPr>
           <a:xfrm>
+            <a:off x="1033113" y="1177596"/>
+            <a:ext cx="6508930" cy="4291164"/>
+          </a:xfrm>
+          <a:prstGeom prst="rect">
+            <a:avLst/>
+          </a:prstGeom>
+          <a:solidFill>
+            <a:schemeClr val="bg1">
+              <a:lumMod val="85000"/>
+            </a:schemeClr>
+          </a:solidFill>
+        </p:spPr>
+        <p:style>
+          <a:lnRef idx="1">
+            <a:schemeClr val="accent1"/>
+          </a:lnRef>
+          <a:fillRef idx="3">
+            <a:schemeClr val="accent1"/>
+          </a:fillRef>
+          <a:effectRef idx="2">
+            <a:schemeClr val="accent1"/>
+          </a:effectRef>
+          <a:fontRef idx="minor">
+            <a:schemeClr val="lt1"/>
+          </a:fontRef>
+        </p:style>
+        <p:txBody>
+          <a:bodyPr rtlCol="0" anchor="ctr"/>
+          <a:lstStyle/>
+          <a:p>
+            <a:pPr algn="ctr"/>
+            <a:endParaRPr lang="en-US" dirty="0"/>
+          </a:p>
+        </p:txBody>
+      </p:sp>
+      <p:sp>
+        <p:nvSpPr>
+          <p:cNvPr id="5" name="TextBox 4"/>
+          <p:cNvSpPr txBox="1"/>
+          <p:nvPr/>
+        </p:nvSpPr>
+        <p:spPr>
+          <a:xfrm>
+            <a:off x="1203719" y="1278826"/>
+            <a:ext cx="6512819" cy="4031873"/>
+          </a:xfrm>
+          <a:prstGeom prst="rect">
+            <a:avLst/>
+          </a:prstGeom>
+          <a:noFill/>
+        </p:spPr>
+        <p:txBody>
+          <a:bodyPr wrap="square" rtlCol="0">
+            <a:spAutoFit/>
+          </a:bodyPr>
+          <a:lstStyle/>
+          <a:p>
+            <a:r>
+              <a:rPr lang="en-US" sz="1600" dirty="0" smtClean="0"/>
+              <a:t>public class </a:t>
+            </a:r>
+            <a:r>
+              <a:rPr lang="en-US" sz="1600" dirty="0" err="1" smtClean="0"/>
+              <a:t>CallableExample</a:t>
+            </a:r>
+            <a:r>
+              <a:rPr lang="en-US" sz="1600" dirty="0" smtClean="0"/>
+              <a:t> implements Callable&lt;Integer&gt;</a:t>
+            </a:r>
+          </a:p>
+          <a:p>
+            <a:r>
+              <a:rPr lang="en-US" sz="1600" dirty="0" smtClean="0"/>
+              <a:t>{</a:t>
+            </a:r>
+          </a:p>
+          <a:p>
+            <a:r>
+              <a:rPr lang="en-US" sz="1600" dirty="0" smtClean="0"/>
+              <a:t>    public Integer </a:t>
+            </a:r>
+            <a:r>
+              <a:rPr lang="en-US" sz="1600" dirty="0" err="1" smtClean="0"/>
+              <a:t>cNumber</a:t>
+            </a:r>
+            <a:r>
+              <a:rPr lang="en-US" sz="1600" dirty="0" smtClean="0"/>
+              <a:t>;</a:t>
+            </a:r>
+          </a:p>
+          <a:p>
+            <a:r>
+              <a:rPr lang="en-US" sz="1600" dirty="0" smtClean="0"/>
+              <a:t>    </a:t>
+            </a:r>
+          </a:p>
+          <a:p>
+            <a:r>
+              <a:rPr lang="en-US" sz="1600" dirty="0" smtClean="0"/>
+              <a:t>    public </a:t>
+            </a:r>
+            <a:r>
+              <a:rPr lang="en-US" sz="1600" dirty="0" err="1" smtClean="0"/>
+              <a:t>CallableExample</a:t>
+            </a:r>
+            <a:r>
+              <a:rPr lang="en-US" sz="1600" dirty="0" smtClean="0"/>
+              <a:t>(Integer number)</a:t>
+            </a:r>
+          </a:p>
+          <a:p>
+            <a:r>
+              <a:rPr lang="en-US" sz="1600" dirty="0" smtClean="0"/>
+              <a:t>    {</a:t>
+            </a:r>
+          </a:p>
+          <a:p>
+            <a:r>
+              <a:rPr lang="en-US" sz="1600" dirty="0" smtClean="0"/>
+              <a:t>        </a:t>
+            </a:r>
+            <a:r>
+              <a:rPr lang="en-US" sz="1600" dirty="0" err="1" smtClean="0"/>
+              <a:t>this.cNumber</a:t>
+            </a:r>
+            <a:r>
+              <a:rPr lang="en-US" sz="1600" dirty="0" smtClean="0"/>
+              <a:t> = number;</a:t>
+            </a:r>
+          </a:p>
+          <a:p>
+            <a:r>
+              <a:rPr lang="en-US" sz="1600" dirty="0" smtClean="0"/>
+              <a:t>    }</a:t>
+            </a:r>
+          </a:p>
+          <a:p>
+            <a:r>
+              <a:rPr lang="en-US" sz="1600" dirty="0" smtClean="0"/>
+              <a:t>    </a:t>
+            </a:r>
+          </a:p>
+          <a:p>
+            <a:r>
+              <a:rPr lang="en-US" sz="1600" dirty="0" smtClean="0"/>
+              <a:t>    @Override</a:t>
+            </a:r>
+          </a:p>
+          <a:p>
+            <a:r>
+              <a:rPr lang="en-US" sz="1600" dirty="0" smtClean="0"/>
+              <a:t>    public Integer call() throws Exception {</a:t>
+            </a:r>
+          </a:p>
+          <a:p>
+            <a:r>
+              <a:rPr lang="en-US" sz="1600" dirty="0" smtClean="0"/>
+              <a:t>        </a:t>
+            </a:r>
+          </a:p>
+          <a:p>
+            <a:r>
+              <a:rPr lang="en-US" sz="1600" dirty="0" smtClean="0"/>
+              <a:t>        return 123;</a:t>
+            </a:r>
+          </a:p>
+          <a:p>
+            <a:r>
+              <a:rPr lang="en-US" sz="1600" dirty="0" smtClean="0"/>
+              <a:t>        </a:t>
+            </a:r>
+          </a:p>
+          <a:p>
+            <a:r>
+              <a:rPr lang="en-US" sz="1600" dirty="0" smtClean="0"/>
+              <a:t>    }</a:t>
+            </a:r>
+          </a:p>
+          <a:p>
+            <a:r>
+              <a:rPr lang="en-US" sz="1600" dirty="0" smtClean="0"/>
+              <a:t>}</a:t>
+            </a:r>
+          </a:p>
+        </p:txBody>
+      </p:sp>
+    </p:spTree>
+    <p:extLst>
+      <p:ext uri="{BB962C8B-B14F-4D97-AF65-F5344CB8AC3E}">
+        <p14:creationId xmlns:p14="http://schemas.microsoft.com/office/powerpoint/2010/main" val="3526304461"/>
+      </p:ext>
+    </p:extLst>
+  </p:cSld>
+  <p:clrMapOvr>
+    <a:masterClrMapping/>
+  </p:clrMapOvr>
+</p:sld>
+</file>
+
+<file path=ppt/slides/slide16.xml><?xml version="1.0" encoding="utf-8"?>
+<p:sld xmlns:a="http://schemas.openxmlformats.org/drawingml/2006/main" xmlns:r="http://schemas.openxmlformats.org/officeDocument/2006/relationships" xmlns:p="http://schemas.openxmlformats.org/presentationml/2006/main">
+  <p:cSld>
+    <p:spTree>
+      <p:nvGrpSpPr>
+        <p:cNvPr id="1" name=""/>
+        <p:cNvGrpSpPr/>
+        <p:nvPr/>
+      </p:nvGrpSpPr>
+      <p:grpSpPr>
+        <a:xfrm>
+          <a:off x="0" y="0"/>
+          <a:ext cx="0" cy="0"/>
+          <a:chOff x="0" y="0"/>
+          <a:chExt cx="0" cy="0"/>
+        </a:xfrm>
+      </p:grpSpPr>
+      <p:sp>
+        <p:nvSpPr>
+          <p:cNvPr id="3" name="Content Placeholder 2"/>
+          <p:cNvSpPr>
+            <a:spLocks noGrp="1"/>
+          </p:cNvSpPr>
+          <p:nvPr>
+            <p:ph idx="1"/>
+          </p:nvPr>
+        </p:nvSpPr>
+        <p:spPr>
+          <a:xfrm>
+            <a:off x="457200" y="533226"/>
+            <a:ext cx="8229600" cy="814379"/>
+          </a:xfrm>
+        </p:spPr>
+        <p:txBody>
+          <a:bodyPr/>
+          <a:lstStyle/>
+          <a:p>
+            <a:pPr marL="0" indent="0">
+              <a:buNone/>
+            </a:pPr>
+            <a:r>
+              <a:rPr lang="en-US" dirty="0" smtClean="0"/>
+              <a:t>Callable</a:t>
+            </a:r>
+            <a:endParaRPr lang="en-US" dirty="0"/>
+          </a:p>
+        </p:txBody>
+      </p:sp>
+      <p:sp>
+        <p:nvSpPr>
+          <p:cNvPr id="4" name="Rectangle 3"/>
+          <p:cNvSpPr/>
+          <p:nvPr/>
+        </p:nvSpPr>
+        <p:spPr>
+          <a:xfrm>
             <a:off x="1033113" y="1177595"/>
             <a:ext cx="6508930" cy="2409555"/>
           </a:xfrm>
@@ -6126,6 +7429,189 @@
           </a:p>
         </p:txBody>
       </p:sp>
+    </p:spTree>
+    <p:extLst>
+      <p:ext uri="{BB962C8B-B14F-4D97-AF65-F5344CB8AC3E}">
+        <p14:creationId xmlns:p14="http://schemas.microsoft.com/office/powerpoint/2010/main" val="1280816715"/>
+      </p:ext>
+    </p:extLst>
+  </p:cSld>
+  <p:clrMapOvr>
+    <a:masterClrMapping/>
+  </p:clrMapOvr>
+</p:sld>
+</file>
+
+<file path=ppt/slides/slide17.xml><?xml version="1.0" encoding="utf-8"?>
+<p:sld xmlns:a="http://schemas.openxmlformats.org/drawingml/2006/main" xmlns:r="http://schemas.openxmlformats.org/officeDocument/2006/relationships" xmlns:p="http://schemas.openxmlformats.org/presentationml/2006/main">
+  <p:cSld>
+    <p:spTree>
+      <p:nvGrpSpPr>
+        <p:cNvPr id="1" name=""/>
+        <p:cNvGrpSpPr/>
+        <p:nvPr/>
+      </p:nvGrpSpPr>
+      <p:grpSpPr>
+        <a:xfrm>
+          <a:off x="0" y="0"/>
+          <a:ext cx="0" cy="0"/>
+          <a:chOff x="0" y="0"/>
+          <a:chExt cx="0" cy="0"/>
+        </a:xfrm>
+      </p:grpSpPr>
+      <p:sp>
+        <p:nvSpPr>
+          <p:cNvPr id="3" name="Content Placeholder 2"/>
+          <p:cNvSpPr>
+            <a:spLocks noGrp="1"/>
+          </p:cNvSpPr>
+          <p:nvPr>
+            <p:ph idx="1"/>
+          </p:nvPr>
+        </p:nvSpPr>
+        <p:spPr>
+          <a:xfrm>
+            <a:off x="457200" y="533226"/>
+            <a:ext cx="8229600" cy="814379"/>
+          </a:xfrm>
+        </p:spPr>
+        <p:txBody>
+          <a:bodyPr/>
+          <a:lstStyle/>
+          <a:p>
+            <a:pPr marL="0" indent="0">
+              <a:buNone/>
+            </a:pPr>
+            <a:r>
+              <a:rPr lang="en-US" dirty="0" smtClean="0"/>
+              <a:t>Future</a:t>
+            </a:r>
+            <a:endParaRPr lang="en-US" dirty="0"/>
+          </a:p>
+        </p:txBody>
+      </p:sp>
+      <p:sp>
+        <p:nvSpPr>
+          <p:cNvPr id="4" name="Rectangle 3"/>
+          <p:cNvSpPr/>
+          <p:nvPr/>
+        </p:nvSpPr>
+        <p:spPr>
+          <a:xfrm>
+            <a:off x="1033113" y="1177595"/>
+            <a:ext cx="6508930" cy="2409555"/>
+          </a:xfrm>
+          <a:prstGeom prst="rect">
+            <a:avLst/>
+          </a:prstGeom>
+          <a:solidFill>
+            <a:schemeClr val="bg1">
+              <a:lumMod val="85000"/>
+            </a:schemeClr>
+          </a:solidFill>
+        </p:spPr>
+        <p:style>
+          <a:lnRef idx="1">
+            <a:schemeClr val="accent1"/>
+          </a:lnRef>
+          <a:fillRef idx="3">
+            <a:schemeClr val="accent1"/>
+          </a:fillRef>
+          <a:effectRef idx="2">
+            <a:schemeClr val="accent1"/>
+          </a:effectRef>
+          <a:fontRef idx="minor">
+            <a:schemeClr val="lt1"/>
+          </a:fontRef>
+        </p:style>
+        <p:txBody>
+          <a:bodyPr rtlCol="0" anchor="ctr"/>
+          <a:lstStyle/>
+          <a:p>
+            <a:pPr algn="ctr"/>
+            <a:endParaRPr lang="en-US" dirty="0"/>
+          </a:p>
+        </p:txBody>
+      </p:sp>
+      <p:sp>
+        <p:nvSpPr>
+          <p:cNvPr id="5" name="TextBox 4"/>
+          <p:cNvSpPr txBox="1"/>
+          <p:nvPr/>
+        </p:nvSpPr>
+        <p:spPr>
+          <a:xfrm>
+            <a:off x="1203719" y="1187072"/>
+            <a:ext cx="6512819" cy="2062103"/>
+          </a:xfrm>
+          <a:prstGeom prst="rect">
+            <a:avLst/>
+          </a:prstGeom>
+          <a:noFill/>
+        </p:spPr>
+        <p:txBody>
+          <a:bodyPr wrap="square" rtlCol="0">
+            <a:spAutoFit/>
+          </a:bodyPr>
+          <a:lstStyle/>
+          <a:p>
+            <a:r>
+              <a:rPr lang="en-US" sz="1600" dirty="0" smtClean="0"/>
+              <a:t>Future&lt;Integer&gt; future = executor.submit(task);</a:t>
+            </a:r>
+          </a:p>
+          <a:p>
+            <a:endParaRPr lang="en-US" sz="1600" dirty="0"/>
+          </a:p>
+          <a:p>
+            <a:r>
+              <a:rPr lang="en-US" sz="1600" dirty="0" smtClean="0"/>
+              <a:t>Integer result = future.get();</a:t>
+            </a:r>
+          </a:p>
+          <a:p>
+            <a:endParaRPr lang="en-US" sz="1600" dirty="0"/>
+          </a:p>
+          <a:p>
+            <a:r>
+              <a:rPr lang="en-US" sz="1600" dirty="0" smtClean="0"/>
+              <a:t>Integer result = future.get(1, </a:t>
+            </a:r>
+            <a:r>
+              <a:rPr lang="en-US" sz="1600" dirty="0" err="1" smtClean="0"/>
+              <a:t>TimeUnits.SECONDS</a:t>
+            </a:r>
+            <a:r>
+              <a:rPr lang="en-US" sz="1600" dirty="0" smtClean="0"/>
+              <a:t>);</a:t>
+            </a:r>
+          </a:p>
+          <a:p>
+            <a:endParaRPr lang="en-US" sz="1600" dirty="0"/>
+          </a:p>
+          <a:p>
+            <a:r>
+              <a:rPr lang="en-US" sz="1600" dirty="0" err="1" smtClean="0"/>
+              <a:t>boolean</a:t>
+            </a:r>
+            <a:r>
+              <a:rPr lang="en-US" sz="1600" dirty="0" smtClean="0"/>
+              <a:t> Done = </a:t>
+            </a:r>
+            <a:r>
+              <a:rPr lang="en-US" sz="1600" dirty="0" err="1" smtClean="0"/>
+              <a:t>Future.isDone</a:t>
+            </a:r>
+            <a:r>
+              <a:rPr lang="en-US" sz="1600" dirty="0" smtClean="0"/>
+              <a:t>();</a:t>
+            </a:r>
+          </a:p>
+          <a:p>
+            <a:endParaRPr lang="en-US" sz="1600" dirty="0" smtClean="0"/>
+          </a:p>
+        </p:txBody>
+      </p:sp>
       <p:sp>
         <p:nvSpPr>
           <p:cNvPr id="6" name="Content Placeholder 2"/>
@@ -6136,7 +7622,457 @@
         </p:nvSpPr>
         <p:spPr>
           <a:xfrm>
-            <a:off x="457200" y="3875806"/>
+            <a:off x="457200" y="3791524"/>
+            <a:ext cx="8229600" cy="2469030"/>
+          </a:xfrm>
+          <a:prstGeom prst="rect">
+            <a:avLst/>
+          </a:prstGeom>
+        </p:spPr>
+        <p:txBody>
+          <a:bodyPr vert="horz" lIns="91440" tIns="45720" rIns="91440" bIns="45720" rtlCol="0">
+            <a:normAutofit fontScale="85000" lnSpcReduction="10000"/>
+          </a:bodyPr>
+          <a:lstStyle>
+            <a:lvl1pPr marL="342900" indent="-342900" algn="l" defTabSz="457200" rtl="0" eaLnBrk="1" latinLnBrk="0" hangingPunct="1">
+              <a:spcBef>
+                <a:spcPct val="20000"/>
+              </a:spcBef>
+              <a:buFont typeface="Arial"/>
+              <a:buChar char="•"/>
+              <a:defRPr sz="3200" kern="1200">
+                <a:solidFill>
+                  <a:schemeClr val="tx1"/>
+                </a:solidFill>
+                <a:latin typeface="+mn-lt"/>
+                <a:ea typeface="+mn-ea"/>
+                <a:cs typeface="+mn-cs"/>
+              </a:defRPr>
+            </a:lvl1pPr>
+            <a:lvl2pPr marL="742950" indent="-285750" algn="l" defTabSz="457200" rtl="0" eaLnBrk="1" latinLnBrk="0" hangingPunct="1">
+              <a:spcBef>
+                <a:spcPct val="20000"/>
+              </a:spcBef>
+              <a:buFont typeface="Arial"/>
+              <a:buChar char="–"/>
+              <a:defRPr sz="2800" kern="1200">
+                <a:solidFill>
+                  <a:schemeClr val="tx1"/>
+                </a:solidFill>
+                <a:latin typeface="+mn-lt"/>
+                <a:ea typeface="+mn-ea"/>
+                <a:cs typeface="+mn-cs"/>
+              </a:defRPr>
+            </a:lvl2pPr>
+            <a:lvl3pPr marL="1143000" indent="-228600" algn="l" defTabSz="457200" rtl="0" eaLnBrk="1" latinLnBrk="0" hangingPunct="1">
+              <a:spcBef>
+                <a:spcPct val="20000"/>
+              </a:spcBef>
+              <a:buFont typeface="Arial"/>
+              <a:buChar char="•"/>
+              <a:defRPr sz="2400" kern="1200">
+                <a:solidFill>
+                  <a:schemeClr val="tx1"/>
+                </a:solidFill>
+                <a:latin typeface="+mn-lt"/>
+                <a:ea typeface="+mn-ea"/>
+                <a:cs typeface="+mn-cs"/>
+              </a:defRPr>
+            </a:lvl3pPr>
+            <a:lvl4pPr marL="1600200" indent="-228600" algn="l" defTabSz="457200" rtl="0" eaLnBrk="1" latinLnBrk="0" hangingPunct="1">
+              <a:spcBef>
+                <a:spcPct val="20000"/>
+              </a:spcBef>
+              <a:buFont typeface="Arial"/>
+              <a:buChar char="–"/>
+              <a:defRPr sz="2000" kern="1200">
+                <a:solidFill>
+                  <a:schemeClr val="tx1"/>
+                </a:solidFill>
+                <a:latin typeface="+mn-lt"/>
+                <a:ea typeface="+mn-ea"/>
+                <a:cs typeface="+mn-cs"/>
+              </a:defRPr>
+            </a:lvl4pPr>
+            <a:lvl5pPr marL="2057400" indent="-228600" algn="l" defTabSz="457200" rtl="0" eaLnBrk="1" latinLnBrk="0" hangingPunct="1">
+              <a:spcBef>
+                <a:spcPct val="20000"/>
+              </a:spcBef>
+              <a:buFont typeface="Arial"/>
+              <a:buChar char="»"/>
+              <a:defRPr sz="2000" kern="1200">
+                <a:solidFill>
+                  <a:schemeClr val="tx1"/>
+                </a:solidFill>
+                <a:latin typeface="+mn-lt"/>
+                <a:ea typeface="+mn-ea"/>
+                <a:cs typeface="+mn-cs"/>
+              </a:defRPr>
+            </a:lvl5pPr>
+            <a:lvl6pPr marL="2514600" indent="-228600" algn="l" defTabSz="457200" rtl="0" eaLnBrk="1" latinLnBrk="0" hangingPunct="1">
+              <a:spcBef>
+                <a:spcPct val="20000"/>
+              </a:spcBef>
+              <a:buFont typeface="Arial"/>
+              <a:buChar char="•"/>
+              <a:defRPr sz="2000" kern="1200">
+                <a:solidFill>
+                  <a:schemeClr val="tx1"/>
+                </a:solidFill>
+                <a:latin typeface="+mn-lt"/>
+                <a:ea typeface="+mn-ea"/>
+                <a:cs typeface="+mn-cs"/>
+              </a:defRPr>
+            </a:lvl6pPr>
+            <a:lvl7pPr marL="2971800" indent="-228600" algn="l" defTabSz="457200" rtl="0" eaLnBrk="1" latinLnBrk="0" hangingPunct="1">
+              <a:spcBef>
+                <a:spcPct val="20000"/>
+              </a:spcBef>
+              <a:buFont typeface="Arial"/>
+              <a:buChar char="•"/>
+              <a:defRPr sz="2000" kern="1200">
+                <a:solidFill>
+                  <a:schemeClr val="tx1"/>
+                </a:solidFill>
+                <a:latin typeface="+mn-lt"/>
+                <a:ea typeface="+mn-ea"/>
+                <a:cs typeface="+mn-cs"/>
+              </a:defRPr>
+            </a:lvl7pPr>
+            <a:lvl8pPr marL="3429000" indent="-228600" algn="l" defTabSz="457200" rtl="0" eaLnBrk="1" latinLnBrk="0" hangingPunct="1">
+              <a:spcBef>
+                <a:spcPct val="20000"/>
+              </a:spcBef>
+              <a:buFont typeface="Arial"/>
+              <a:buChar char="•"/>
+              <a:defRPr sz="2000" kern="1200">
+                <a:solidFill>
+                  <a:schemeClr val="tx1"/>
+                </a:solidFill>
+                <a:latin typeface="+mn-lt"/>
+                <a:ea typeface="+mn-ea"/>
+                <a:cs typeface="+mn-cs"/>
+              </a:defRPr>
+            </a:lvl8pPr>
+            <a:lvl9pPr marL="3886200" indent="-228600" algn="l" defTabSz="457200" rtl="0" eaLnBrk="1" latinLnBrk="0" hangingPunct="1">
+              <a:spcBef>
+                <a:spcPct val="20000"/>
+              </a:spcBef>
+              <a:buFont typeface="Arial"/>
+              <a:buChar char="•"/>
+              <a:defRPr sz="2000" kern="1200">
+                <a:solidFill>
+                  <a:schemeClr val="tx1"/>
+                </a:solidFill>
+                <a:latin typeface="+mn-lt"/>
+                <a:ea typeface="+mn-ea"/>
+                <a:cs typeface="+mn-cs"/>
+              </a:defRPr>
+            </a:lvl9pPr>
+          </a:lstStyle>
+          <a:p>
+            <a:pPr marL="0" indent="0">
+              <a:buFont typeface="Arial"/>
+              <a:buNone/>
+            </a:pPr>
+            <a:r>
+              <a:rPr lang="en-US" sz="3800" dirty="0" smtClean="0"/>
+              <a:t>Future</a:t>
+            </a:r>
+            <a:r>
+              <a:rPr lang="en-US" dirty="0" smtClean="0"/>
+              <a:t> </a:t>
+            </a:r>
+          </a:p>
+          <a:p>
+            <a:r>
+              <a:rPr lang="en-US" dirty="0" smtClean="0"/>
+              <a:t>Submit callable with future to retrieve return.</a:t>
+            </a:r>
+          </a:p>
+          <a:p>
+            <a:r>
+              <a:rPr lang="en-US" dirty="0" smtClean="0"/>
+              <a:t>Return is retrieved with future.get();</a:t>
+            </a:r>
+          </a:p>
+          <a:p>
+            <a:r>
+              <a:rPr lang="en-US" dirty="0" smtClean="0"/>
+              <a:t>Add timeout to get() to prevent running forever.</a:t>
+            </a:r>
+          </a:p>
+          <a:p>
+            <a:r>
+              <a:rPr lang="en-US" dirty="0" smtClean="0"/>
+              <a:t>Future is blocking, so .</a:t>
+            </a:r>
+            <a:r>
+              <a:rPr lang="en-US" dirty="0" err="1" smtClean="0"/>
+              <a:t>isDone</a:t>
+            </a:r>
+            <a:r>
+              <a:rPr lang="en-US" dirty="0" smtClean="0"/>
+              <a:t>() can check if task is done</a:t>
+            </a:r>
+          </a:p>
+          <a:p>
+            <a:pPr marL="0" indent="0">
+              <a:buNone/>
+            </a:pPr>
+            <a:endParaRPr lang="en-US" dirty="0" smtClean="0"/>
+          </a:p>
+          <a:p>
+            <a:endParaRPr lang="en-US" dirty="0" smtClean="0"/>
+          </a:p>
+          <a:p>
+            <a:endParaRPr lang="en-US" dirty="0" smtClean="0"/>
+          </a:p>
+        </p:txBody>
+      </p:sp>
+    </p:spTree>
+    <p:extLst>
+      <p:ext uri="{BB962C8B-B14F-4D97-AF65-F5344CB8AC3E}">
+        <p14:creationId xmlns:p14="http://schemas.microsoft.com/office/powerpoint/2010/main" val="2928290623"/>
+      </p:ext>
+    </p:extLst>
+  </p:cSld>
+  <p:clrMapOvr>
+    <a:masterClrMapping/>
+  </p:clrMapOvr>
+</p:sld>
+</file>
+
+<file path=ppt/slides/slide18.xml><?xml version="1.0" encoding="utf-8"?>
+<p:sld xmlns:a="http://schemas.openxmlformats.org/drawingml/2006/main" xmlns:r="http://schemas.openxmlformats.org/officeDocument/2006/relationships" xmlns:p="http://schemas.openxmlformats.org/presentationml/2006/main">
+  <p:cSld>
+    <p:spTree>
+      <p:nvGrpSpPr>
+        <p:cNvPr id="1" name=""/>
+        <p:cNvGrpSpPr/>
+        <p:nvPr/>
+      </p:nvGrpSpPr>
+      <p:grpSpPr>
+        <a:xfrm>
+          <a:off x="0" y="0"/>
+          <a:ext cx="0" cy="0"/>
+          <a:chOff x="0" y="0"/>
+          <a:chExt cx="0" cy="0"/>
+        </a:xfrm>
+      </p:grpSpPr>
+      <p:sp>
+        <p:nvSpPr>
+          <p:cNvPr id="3" name="Content Placeholder 2"/>
+          <p:cNvSpPr>
+            <a:spLocks noGrp="1"/>
+          </p:cNvSpPr>
+          <p:nvPr>
+            <p:ph idx="1"/>
+          </p:nvPr>
+        </p:nvSpPr>
+        <p:spPr>
+          <a:xfrm>
+            <a:off x="457200" y="533226"/>
+            <a:ext cx="8229600" cy="814379"/>
+          </a:xfrm>
+        </p:spPr>
+        <p:txBody>
+          <a:bodyPr/>
+          <a:lstStyle/>
+          <a:p>
+            <a:pPr marL="0" indent="0">
+              <a:buNone/>
+            </a:pPr>
+            <a:r>
+              <a:rPr lang="en-US" dirty="0" smtClean="0"/>
+              <a:t>InvokeAll</a:t>
+            </a:r>
+            <a:r>
+              <a:rPr lang="en-US" dirty="0"/>
+              <a:t> </a:t>
+            </a:r>
+            <a:r>
+              <a:rPr lang="en-US" dirty="0" smtClean="0"/>
+              <a:t>and InvokeAny</a:t>
+            </a:r>
+            <a:endParaRPr lang="en-US" dirty="0"/>
+          </a:p>
+        </p:txBody>
+      </p:sp>
+      <p:sp>
+        <p:nvSpPr>
+          <p:cNvPr id="4" name="Rectangle 3"/>
+          <p:cNvSpPr/>
+          <p:nvPr/>
+        </p:nvSpPr>
+        <p:spPr>
+          <a:xfrm>
+            <a:off x="1033113" y="1177594"/>
+            <a:ext cx="6508930" cy="2839329"/>
+          </a:xfrm>
+          <a:prstGeom prst="rect">
+            <a:avLst/>
+          </a:prstGeom>
+          <a:solidFill>
+            <a:schemeClr val="bg1">
+              <a:lumMod val="85000"/>
+            </a:schemeClr>
+          </a:solidFill>
+        </p:spPr>
+        <p:style>
+          <a:lnRef idx="1">
+            <a:schemeClr val="accent1"/>
+          </a:lnRef>
+          <a:fillRef idx="3">
+            <a:schemeClr val="accent1"/>
+          </a:fillRef>
+          <a:effectRef idx="2">
+            <a:schemeClr val="accent1"/>
+          </a:effectRef>
+          <a:fontRef idx="minor">
+            <a:schemeClr val="lt1"/>
+          </a:fontRef>
+        </p:style>
+        <p:txBody>
+          <a:bodyPr rtlCol="0" anchor="ctr"/>
+          <a:lstStyle/>
+          <a:p>
+            <a:pPr algn="ctr"/>
+            <a:endParaRPr lang="en-US" dirty="0"/>
+          </a:p>
+        </p:txBody>
+      </p:sp>
+      <p:sp>
+        <p:nvSpPr>
+          <p:cNvPr id="5" name="TextBox 4"/>
+          <p:cNvSpPr txBox="1"/>
+          <p:nvPr/>
+        </p:nvSpPr>
+        <p:spPr>
+          <a:xfrm>
+            <a:off x="1203719" y="1187072"/>
+            <a:ext cx="6512819" cy="3293209"/>
+          </a:xfrm>
+          <a:prstGeom prst="rect">
+            <a:avLst/>
+          </a:prstGeom>
+          <a:noFill/>
+        </p:spPr>
+        <p:txBody>
+          <a:bodyPr wrap="square" rtlCol="0">
+            <a:spAutoFit/>
+          </a:bodyPr>
+          <a:lstStyle/>
+          <a:p>
+            <a:r>
+              <a:rPr lang="en-US" sz="1600" dirty="0" smtClean="0"/>
+              <a:t>ExecutorService executor = Executors.newFixedThreadPool(5);</a:t>
+            </a:r>
+          </a:p>
+          <a:p>
+            <a:r>
+              <a:rPr lang="en-US" sz="1600" dirty="0"/>
+              <a:t>L</a:t>
+            </a:r>
+            <a:r>
+              <a:rPr lang="en-US" sz="1600" dirty="0" smtClean="0"/>
+              <a:t>ist&lt;Callable&lt;String&gt;&gt; callable = Arrays.asList(</a:t>
+            </a:r>
+          </a:p>
+          <a:p>
+            <a:r>
+              <a:rPr lang="en-US" sz="1600" dirty="0"/>
+              <a:t>	</a:t>
+            </a:r>
+            <a:r>
+              <a:rPr lang="en-US" sz="1600" dirty="0" smtClean="0"/>
+              <a:t>() -&gt; “task1”,</a:t>
+            </a:r>
+          </a:p>
+          <a:p>
+            <a:r>
+              <a:rPr lang="en-US" sz="1600" dirty="0"/>
+              <a:t>	</a:t>
+            </a:r>
+            <a:r>
+              <a:rPr lang="en-US" sz="1600" dirty="0" smtClean="0"/>
+              <a:t>() -&gt; “task2”,</a:t>
+            </a:r>
+          </a:p>
+          <a:p>
+            <a:r>
+              <a:rPr lang="en-US" sz="1600" dirty="0"/>
+              <a:t>	</a:t>
+            </a:r>
+            <a:r>
+              <a:rPr lang="en-US" sz="1600" dirty="0" smtClean="0"/>
+              <a:t>() -&gt; “task3”);</a:t>
+            </a:r>
+          </a:p>
+          <a:p>
+            <a:endParaRPr lang="en-US" sz="1600" dirty="0"/>
+          </a:p>
+          <a:p>
+            <a:r>
+              <a:rPr lang="en-US" sz="1600" dirty="0" smtClean="0"/>
+              <a:t>executor.invokeAll(callables)</a:t>
+            </a:r>
+          </a:p>
+          <a:p>
+            <a:r>
+              <a:rPr lang="en-US" sz="1600" dirty="0"/>
+              <a:t>	</a:t>
+            </a:r>
+            <a:r>
+              <a:rPr lang="en-US" sz="1600" dirty="0" smtClean="0"/>
+              <a:t>.stream()</a:t>
+            </a:r>
+          </a:p>
+          <a:p>
+            <a:r>
+              <a:rPr lang="en-US" sz="1600" dirty="0" smtClean="0"/>
+              <a:t>	.map(future -&gt; {</a:t>
+            </a:r>
+          </a:p>
+          <a:p>
+            <a:r>
+              <a:rPr lang="en-US" sz="1600" dirty="0"/>
+              <a:t>	</a:t>
+            </a:r>
+            <a:r>
+              <a:rPr lang="en-US" sz="1600" dirty="0" smtClean="0"/>
+              <a:t>	return future.get();</a:t>
+            </a:r>
+          </a:p>
+          <a:p>
+            <a:r>
+              <a:rPr lang="en-US" sz="1600" dirty="0"/>
+              <a:t>	</a:t>
+            </a:r>
+            <a:r>
+              <a:rPr lang="en-US" sz="1600" dirty="0" smtClean="0"/>
+              <a:t>}).forEach(System.out::println);</a:t>
+            </a:r>
+          </a:p>
+          <a:p>
+            <a:endParaRPr lang="en-US" sz="1600" dirty="0" smtClean="0"/>
+          </a:p>
+          <a:p>
+            <a:endParaRPr lang="en-US" sz="1600" dirty="0" smtClean="0"/>
+          </a:p>
+        </p:txBody>
+      </p:sp>
+      <p:sp>
+        <p:nvSpPr>
+          <p:cNvPr id="6" name="Content Placeholder 2"/>
+          <p:cNvSpPr txBox="1">
+            <a:spLocks/>
+          </p:cNvSpPr>
+          <p:nvPr/>
+        </p:nvSpPr>
+        <p:spPr>
+          <a:xfrm>
+            <a:off x="457200" y="4016924"/>
             <a:ext cx="8229600" cy="2469030"/>
           </a:xfrm>
           <a:prstGeom prst="rect">
@@ -6291,7 +8227,7 @@
             </a:pPr>
             <a:r>
               <a:rPr lang="en-US" sz="3800" dirty="0" smtClean="0"/>
-              <a:t>Callable</a:t>
+              <a:t>Submitting multiple Callables at once</a:t>
             </a:r>
             <a:r>
               <a:rPr lang="en-US" dirty="0" smtClean="0"/>
@@ -6301,15 +8237,18 @@
           <a:p>
             <a:r>
               <a:rPr lang="en-US" dirty="0" smtClean="0"/>
-              <a:t>Callable returns a value.</a:t>
-            </a:r>
+              <a:t>Add timeout to get() to prevent running forever.</a:t>
+            </a:r>
+          </a:p>
+          <a:p>
+            <a:endParaRPr lang="en-US" dirty="0" smtClean="0"/>
           </a:p>
         </p:txBody>
       </p:sp>
     </p:spTree>
     <p:extLst>
       <p:ext uri="{BB962C8B-B14F-4D97-AF65-F5344CB8AC3E}">
-        <p14:creationId xmlns:p14="http://schemas.microsoft.com/office/powerpoint/2010/main" val="1280816715"/>
+        <p14:creationId xmlns:p14="http://schemas.microsoft.com/office/powerpoint/2010/main" val="2703061127"/>
       </p:ext>
     </p:extLst>
   </p:cSld>
@@ -6319,7 +8258,7 @@
 </p:sld>
 </file>
 
-<file path=ppt/slides/slide16.xml><?xml version="1.0" encoding="utf-8"?>
+<file path=ppt/slides/slide19.xml><?xml version="1.0" encoding="utf-8"?>
 <p:sld xmlns:a="http://schemas.openxmlformats.org/drawingml/2006/main" xmlns:r="http://schemas.openxmlformats.org/officeDocument/2006/relationships" xmlns:p="http://schemas.openxmlformats.org/presentationml/2006/main">
   <p:cSld>
     <p:spTree>
@@ -6338,6 +8277,29 @@
       </p:grpSpPr>
       <p:sp>
         <p:nvSpPr>
+          <p:cNvPr id="2" name="Title 1"/>
+          <p:cNvSpPr>
+            <a:spLocks noGrp="1"/>
+          </p:cNvSpPr>
+          <p:nvPr>
+            <p:ph type="title"/>
+          </p:nvPr>
+        </p:nvSpPr>
+        <p:spPr/>
+        <p:txBody>
+          <a:bodyPr/>
+          <a:lstStyle/>
+          <a:p>
+            <a:r>
+              <a:rPr lang="en-US" dirty="0" smtClean="0"/>
+              <a:t>Sharing Mutable Values</a:t>
+            </a:r>
+            <a:endParaRPr lang="en-US" dirty="0"/>
+          </a:p>
+        </p:txBody>
+      </p:sp>
+      <p:sp>
+        <p:nvSpPr>
           <p:cNvPr id="3" name="Content Placeholder 2"/>
           <p:cNvSpPr>
             <a:spLocks noGrp="1"/>
@@ -6348,378 +8310,38 @@
         </p:nvSpPr>
         <p:spPr>
           <a:xfrm>
-            <a:off x="457200" y="533226"/>
-            <a:ext cx="8229600" cy="814379"/>
+            <a:off x="457200" y="1600200"/>
+            <a:ext cx="8229600" cy="3699609"/>
           </a:xfrm>
         </p:spPr>
         <p:txBody>
           <a:bodyPr/>
           <a:lstStyle/>
           <a:p>
-            <a:pPr marL="0" indent="0">
-              <a:buNone/>
-            </a:pPr>
             <a:r>
               <a:rPr lang="en-US" dirty="0" smtClean="0"/>
-              <a:t>Future</a:t>
+              <a:t>Multiple threads reading/writing same value causes race conditions.</a:t>
+            </a:r>
+          </a:p>
+          <a:p>
+            <a:r>
+              <a:rPr lang="en-US" dirty="0" smtClean="0"/>
+              <a:t>Synchronization and Locks prevent two threads accessing at once.</a:t>
+            </a:r>
+          </a:p>
+          <a:p>
+            <a:r>
+              <a:rPr lang="en-US" dirty="0" smtClean="0"/>
+              <a:t>Atomic Variables and ConcurrentMap are another non-blocking option.</a:t>
             </a:r>
             <a:endParaRPr lang="en-US" dirty="0"/>
-          </a:p>
-        </p:txBody>
-      </p:sp>
-      <p:sp>
-        <p:nvSpPr>
-          <p:cNvPr id="4" name="Rectangle 3"/>
-          <p:cNvSpPr/>
-          <p:nvPr/>
-        </p:nvSpPr>
-        <p:spPr>
-          <a:xfrm>
-            <a:off x="1033113" y="1177595"/>
-            <a:ext cx="6508930" cy="2409555"/>
-          </a:xfrm>
-          <a:prstGeom prst="rect">
-            <a:avLst/>
-          </a:prstGeom>
-          <a:solidFill>
-            <a:schemeClr val="bg1">
-              <a:lumMod val="85000"/>
-            </a:schemeClr>
-          </a:solidFill>
-        </p:spPr>
-        <p:style>
-          <a:lnRef idx="1">
-            <a:schemeClr val="accent1"/>
-          </a:lnRef>
-          <a:fillRef idx="3">
-            <a:schemeClr val="accent1"/>
-          </a:fillRef>
-          <a:effectRef idx="2">
-            <a:schemeClr val="accent1"/>
-          </a:effectRef>
-          <a:fontRef idx="minor">
-            <a:schemeClr val="lt1"/>
-          </a:fontRef>
-        </p:style>
-        <p:txBody>
-          <a:bodyPr rtlCol="0" anchor="ctr"/>
-          <a:lstStyle/>
-          <a:p>
-            <a:pPr algn="ctr"/>
-            <a:endParaRPr lang="en-US" dirty="0"/>
-          </a:p>
-        </p:txBody>
-      </p:sp>
-      <p:sp>
-        <p:nvSpPr>
-          <p:cNvPr id="5" name="TextBox 4"/>
-          <p:cNvSpPr txBox="1"/>
-          <p:nvPr/>
-        </p:nvSpPr>
-        <p:spPr>
-          <a:xfrm>
-            <a:off x="1203719" y="1187072"/>
-            <a:ext cx="6512819" cy="2554545"/>
-          </a:xfrm>
-          <a:prstGeom prst="rect">
-            <a:avLst/>
-          </a:prstGeom>
-          <a:noFill/>
-        </p:spPr>
-        <p:txBody>
-          <a:bodyPr wrap="square" rtlCol="0">
-            <a:spAutoFit/>
-          </a:bodyPr>
-          <a:lstStyle/>
-          <a:p>
-            <a:r>
-              <a:rPr lang="en-US" sz="1600" dirty="0" smtClean="0"/>
-              <a:t>ExecutorService executor = Executors.newFixedThreadPool(1);</a:t>
-            </a:r>
-          </a:p>
-          <a:p>
-            <a:endParaRPr lang="en-US" sz="1600" dirty="0"/>
-          </a:p>
-          <a:p>
-            <a:r>
-              <a:rPr lang="en-US" sz="1600" dirty="0" smtClean="0"/>
-              <a:t>Future&lt;Integer&gt; future = executor.submit(task);</a:t>
-            </a:r>
-          </a:p>
-          <a:p>
-            <a:endParaRPr lang="en-US" sz="1600" dirty="0"/>
-          </a:p>
-          <a:p>
-            <a:r>
-              <a:rPr lang="en-US" sz="1600" dirty="0" smtClean="0"/>
-              <a:t>Integer result = future.get();</a:t>
-            </a:r>
-          </a:p>
-          <a:p>
-            <a:endParaRPr lang="en-US" sz="1600" dirty="0"/>
-          </a:p>
-          <a:p>
-            <a:r>
-              <a:rPr lang="en-US" sz="1600" dirty="0" smtClean="0"/>
-              <a:t>Integer result = future.get(1, </a:t>
-            </a:r>
-            <a:r>
-              <a:rPr lang="en-US" sz="1600" dirty="0" err="1" smtClean="0"/>
-              <a:t>TimeUnits.SECONDS</a:t>
-            </a:r>
-            <a:r>
-              <a:rPr lang="en-US" sz="1600" dirty="0" smtClean="0"/>
-              <a:t>);</a:t>
-            </a:r>
-          </a:p>
-          <a:p>
-            <a:endParaRPr lang="en-US" sz="1600" dirty="0"/>
-          </a:p>
-          <a:p>
-            <a:r>
-              <a:rPr lang="en-US" sz="1600" dirty="0" err="1" smtClean="0"/>
-              <a:t>boolean</a:t>
-            </a:r>
-            <a:r>
-              <a:rPr lang="en-US" sz="1600" dirty="0" smtClean="0"/>
-              <a:t> Done = </a:t>
-            </a:r>
-            <a:r>
-              <a:rPr lang="en-US" sz="1600" dirty="0" err="1" smtClean="0"/>
-              <a:t>Future.isDone</a:t>
-            </a:r>
-            <a:r>
-              <a:rPr lang="en-US" sz="1600" dirty="0" smtClean="0"/>
-              <a:t>();</a:t>
-            </a:r>
-          </a:p>
-          <a:p>
-            <a:endParaRPr lang="en-US" sz="1600" dirty="0" smtClean="0"/>
-          </a:p>
-        </p:txBody>
-      </p:sp>
-      <p:sp>
-        <p:nvSpPr>
-          <p:cNvPr id="6" name="Content Placeholder 2"/>
-          <p:cNvSpPr txBox="1">
-            <a:spLocks/>
-          </p:cNvSpPr>
-          <p:nvPr/>
-        </p:nvSpPr>
-        <p:spPr>
-          <a:xfrm>
-            <a:off x="457200" y="3791524"/>
-            <a:ext cx="8229600" cy="2469030"/>
-          </a:xfrm>
-          <a:prstGeom prst="rect">
-            <a:avLst/>
-          </a:prstGeom>
-        </p:spPr>
-        <p:txBody>
-          <a:bodyPr vert="horz" lIns="91440" tIns="45720" rIns="91440" bIns="45720" rtlCol="0">
-            <a:normAutofit fontScale="85000" lnSpcReduction="10000"/>
-          </a:bodyPr>
-          <a:lstStyle>
-            <a:lvl1pPr marL="342900" indent="-342900" algn="l" defTabSz="457200" rtl="0" eaLnBrk="1" latinLnBrk="0" hangingPunct="1">
-              <a:spcBef>
-                <a:spcPct val="20000"/>
-              </a:spcBef>
-              <a:buFont typeface="Arial"/>
-              <a:buChar char="•"/>
-              <a:defRPr sz="3200" kern="1200">
-                <a:solidFill>
-                  <a:schemeClr val="tx1"/>
-                </a:solidFill>
-                <a:latin typeface="+mn-lt"/>
-                <a:ea typeface="+mn-ea"/>
-                <a:cs typeface="+mn-cs"/>
-              </a:defRPr>
-            </a:lvl1pPr>
-            <a:lvl2pPr marL="742950" indent="-285750" algn="l" defTabSz="457200" rtl="0" eaLnBrk="1" latinLnBrk="0" hangingPunct="1">
-              <a:spcBef>
-                <a:spcPct val="20000"/>
-              </a:spcBef>
-              <a:buFont typeface="Arial"/>
-              <a:buChar char="–"/>
-              <a:defRPr sz="2800" kern="1200">
-                <a:solidFill>
-                  <a:schemeClr val="tx1"/>
-                </a:solidFill>
-                <a:latin typeface="+mn-lt"/>
-                <a:ea typeface="+mn-ea"/>
-                <a:cs typeface="+mn-cs"/>
-              </a:defRPr>
-            </a:lvl2pPr>
-            <a:lvl3pPr marL="1143000" indent="-228600" algn="l" defTabSz="457200" rtl="0" eaLnBrk="1" latinLnBrk="0" hangingPunct="1">
-              <a:spcBef>
-                <a:spcPct val="20000"/>
-              </a:spcBef>
-              <a:buFont typeface="Arial"/>
-              <a:buChar char="•"/>
-              <a:defRPr sz="2400" kern="1200">
-                <a:solidFill>
-                  <a:schemeClr val="tx1"/>
-                </a:solidFill>
-                <a:latin typeface="+mn-lt"/>
-                <a:ea typeface="+mn-ea"/>
-                <a:cs typeface="+mn-cs"/>
-              </a:defRPr>
-            </a:lvl3pPr>
-            <a:lvl4pPr marL="1600200" indent="-228600" algn="l" defTabSz="457200" rtl="0" eaLnBrk="1" latinLnBrk="0" hangingPunct="1">
-              <a:spcBef>
-                <a:spcPct val="20000"/>
-              </a:spcBef>
-              <a:buFont typeface="Arial"/>
-              <a:buChar char="–"/>
-              <a:defRPr sz="2000" kern="1200">
-                <a:solidFill>
-                  <a:schemeClr val="tx1"/>
-                </a:solidFill>
-                <a:latin typeface="+mn-lt"/>
-                <a:ea typeface="+mn-ea"/>
-                <a:cs typeface="+mn-cs"/>
-              </a:defRPr>
-            </a:lvl4pPr>
-            <a:lvl5pPr marL="2057400" indent="-228600" algn="l" defTabSz="457200" rtl="0" eaLnBrk="1" latinLnBrk="0" hangingPunct="1">
-              <a:spcBef>
-                <a:spcPct val="20000"/>
-              </a:spcBef>
-              <a:buFont typeface="Arial"/>
-              <a:buChar char="»"/>
-              <a:defRPr sz="2000" kern="1200">
-                <a:solidFill>
-                  <a:schemeClr val="tx1"/>
-                </a:solidFill>
-                <a:latin typeface="+mn-lt"/>
-                <a:ea typeface="+mn-ea"/>
-                <a:cs typeface="+mn-cs"/>
-              </a:defRPr>
-            </a:lvl5pPr>
-            <a:lvl6pPr marL="2514600" indent="-228600" algn="l" defTabSz="457200" rtl="0" eaLnBrk="1" latinLnBrk="0" hangingPunct="1">
-              <a:spcBef>
-                <a:spcPct val="20000"/>
-              </a:spcBef>
-              <a:buFont typeface="Arial"/>
-              <a:buChar char="•"/>
-              <a:defRPr sz="2000" kern="1200">
-                <a:solidFill>
-                  <a:schemeClr val="tx1"/>
-                </a:solidFill>
-                <a:latin typeface="+mn-lt"/>
-                <a:ea typeface="+mn-ea"/>
-                <a:cs typeface="+mn-cs"/>
-              </a:defRPr>
-            </a:lvl6pPr>
-            <a:lvl7pPr marL="2971800" indent="-228600" algn="l" defTabSz="457200" rtl="0" eaLnBrk="1" latinLnBrk="0" hangingPunct="1">
-              <a:spcBef>
-                <a:spcPct val="20000"/>
-              </a:spcBef>
-              <a:buFont typeface="Arial"/>
-              <a:buChar char="•"/>
-              <a:defRPr sz="2000" kern="1200">
-                <a:solidFill>
-                  <a:schemeClr val="tx1"/>
-                </a:solidFill>
-                <a:latin typeface="+mn-lt"/>
-                <a:ea typeface="+mn-ea"/>
-                <a:cs typeface="+mn-cs"/>
-              </a:defRPr>
-            </a:lvl7pPr>
-            <a:lvl8pPr marL="3429000" indent="-228600" algn="l" defTabSz="457200" rtl="0" eaLnBrk="1" latinLnBrk="0" hangingPunct="1">
-              <a:spcBef>
-                <a:spcPct val="20000"/>
-              </a:spcBef>
-              <a:buFont typeface="Arial"/>
-              <a:buChar char="•"/>
-              <a:defRPr sz="2000" kern="1200">
-                <a:solidFill>
-                  <a:schemeClr val="tx1"/>
-                </a:solidFill>
-                <a:latin typeface="+mn-lt"/>
-                <a:ea typeface="+mn-ea"/>
-                <a:cs typeface="+mn-cs"/>
-              </a:defRPr>
-            </a:lvl8pPr>
-            <a:lvl9pPr marL="3886200" indent="-228600" algn="l" defTabSz="457200" rtl="0" eaLnBrk="1" latinLnBrk="0" hangingPunct="1">
-              <a:spcBef>
-                <a:spcPct val="20000"/>
-              </a:spcBef>
-              <a:buFont typeface="Arial"/>
-              <a:buChar char="•"/>
-              <a:defRPr sz="2000" kern="1200">
-                <a:solidFill>
-                  <a:schemeClr val="tx1"/>
-                </a:solidFill>
-                <a:latin typeface="+mn-lt"/>
-                <a:ea typeface="+mn-ea"/>
-                <a:cs typeface="+mn-cs"/>
-              </a:defRPr>
-            </a:lvl9pPr>
-          </a:lstStyle>
-          <a:p>
-            <a:pPr marL="0" indent="0">
-              <a:buFont typeface="Arial"/>
-              <a:buNone/>
-            </a:pPr>
-            <a:r>
-              <a:rPr lang="en-US" sz="3800" dirty="0" smtClean="0"/>
-              <a:t>Future</a:t>
-            </a:r>
-            <a:r>
-              <a:rPr lang="en-US" dirty="0" smtClean="0"/>
-              <a:t> </a:t>
-            </a:r>
-          </a:p>
-          <a:p>
-            <a:r>
-              <a:rPr lang="en-US" dirty="0" smtClean="0"/>
-              <a:t>Submit callable with future to retrieve return.</a:t>
-            </a:r>
-          </a:p>
-          <a:p>
-            <a:r>
-              <a:rPr lang="en-US" dirty="0" smtClean="0"/>
-              <a:t>Return is retrieved with future.get();</a:t>
-            </a:r>
-          </a:p>
-          <a:p>
-            <a:r>
-              <a:rPr lang="en-US" dirty="0" smtClean="0"/>
-              <a:t>Add timeout to get() to prevent running forever.</a:t>
-            </a:r>
-          </a:p>
-          <a:p>
-            <a:r>
-              <a:rPr lang="en-US" dirty="0" smtClean="0"/>
-              <a:t>Future is blocking, so .</a:t>
-            </a:r>
-            <a:r>
-              <a:rPr lang="en-US" dirty="0" err="1" smtClean="0"/>
-              <a:t>isDone</a:t>
-            </a:r>
-            <a:r>
-              <a:rPr lang="en-US" dirty="0" smtClean="0"/>
-              <a:t>() can check if task is done</a:t>
-            </a:r>
-          </a:p>
-          <a:p>
-            <a:pPr marL="0" indent="0">
-              <a:buNone/>
-            </a:pPr>
-            <a:endParaRPr lang="en-US" dirty="0" smtClean="0"/>
-          </a:p>
-          <a:p>
-            <a:endParaRPr lang="en-US" dirty="0" smtClean="0"/>
-          </a:p>
-          <a:p>
-            <a:endParaRPr lang="en-US" dirty="0" smtClean="0"/>
           </a:p>
         </p:txBody>
       </p:sp>
     </p:spTree>
     <p:extLst>
       <p:ext uri="{BB962C8B-B14F-4D97-AF65-F5344CB8AC3E}">
-        <p14:creationId xmlns:p14="http://schemas.microsoft.com/office/powerpoint/2010/main" val="2928290623"/>
+        <p14:creationId xmlns:p14="http://schemas.microsoft.com/office/powerpoint/2010/main" val="3064475787"/>
       </p:ext>
     </p:extLst>
   </p:cSld>
@@ -6729,7 +8351,7 @@
 </p:sld>
 </file>
 
-<file path=ppt/slides/slide17.xml><?xml version="1.0" encoding="utf-8"?>
+<file path=ppt/slides/slide2.xml><?xml version="1.0" encoding="utf-8"?>
 <p:sld xmlns:a="http://schemas.openxmlformats.org/drawingml/2006/main" xmlns:r="http://schemas.openxmlformats.org/officeDocument/2006/relationships" xmlns:p="http://schemas.openxmlformats.org/presentationml/2006/main">
   <p:cSld>
     <p:spTree>
@@ -6748,218 +8370,62 @@
       </p:grpSpPr>
       <p:sp>
         <p:nvSpPr>
-          <p:cNvPr id="3" name="Content Placeholder 2"/>
-          <p:cNvSpPr>
-            <a:spLocks noGrp="1"/>
-          </p:cNvSpPr>
-          <p:nvPr>
-            <p:ph idx="1"/>
-          </p:nvPr>
+          <p:cNvPr id="4" name="Title 1"/>
+          <p:cNvSpPr txBox="1">
+            <a:spLocks/>
+          </p:cNvSpPr>
+          <p:nvPr/>
         </p:nvSpPr>
         <p:spPr>
           <a:xfrm>
-            <a:off x="457200" y="533226"/>
-            <a:ext cx="8229600" cy="814379"/>
-          </a:xfrm>
-        </p:spPr>
-        <p:txBody>
-          <a:bodyPr/>
-          <a:lstStyle/>
-          <a:p>
-            <a:pPr marL="0" indent="0">
-              <a:buNone/>
-            </a:pPr>
-            <a:r>
-              <a:rPr lang="en-US" dirty="0" smtClean="0"/>
-              <a:t>InvokeAll</a:t>
-            </a:r>
-            <a:r>
-              <a:rPr lang="en-US" dirty="0"/>
-              <a:t> </a:t>
-            </a:r>
-            <a:r>
-              <a:rPr lang="en-US" dirty="0" smtClean="0"/>
-              <a:t>and InvokeAny</a:t>
-            </a:r>
-            <a:endParaRPr lang="en-US" dirty="0"/>
-          </a:p>
-        </p:txBody>
-      </p:sp>
-      <p:sp>
-        <p:nvSpPr>
-          <p:cNvPr id="4" name="Rectangle 3"/>
-          <p:cNvSpPr/>
-          <p:nvPr/>
-        </p:nvSpPr>
-        <p:spPr>
-          <a:xfrm>
-            <a:off x="1033113" y="1177594"/>
-            <a:ext cx="6508930" cy="2839329"/>
+            <a:off x="457200" y="274638"/>
+            <a:ext cx="8229600" cy="1143000"/>
           </a:xfrm>
           <a:prstGeom prst="rect">
             <a:avLst/>
           </a:prstGeom>
-          <a:solidFill>
-            <a:schemeClr val="bg1">
-              <a:lumMod val="85000"/>
-            </a:schemeClr>
-          </a:solidFill>
         </p:spPr>
-        <p:style>
-          <a:lnRef idx="1">
-            <a:schemeClr val="accent1"/>
-          </a:lnRef>
-          <a:fillRef idx="3">
-            <a:schemeClr val="accent1"/>
-          </a:fillRef>
-          <a:effectRef idx="2">
-            <a:schemeClr val="accent1"/>
-          </a:effectRef>
-          <a:fontRef idx="minor">
-            <a:schemeClr val="lt1"/>
-          </a:fontRef>
-        </p:style>
-        <p:txBody>
-          <a:bodyPr rtlCol="0" anchor="ctr"/>
-          <a:lstStyle/>
-          <a:p>
-            <a:pPr algn="ctr"/>
+        <p:txBody>
+          <a:bodyPr vert="horz" lIns="91440" tIns="45720" rIns="91440" bIns="45720" rtlCol="0" anchor="ctr">
+            <a:normAutofit/>
+          </a:bodyPr>
+          <a:lstStyle>
+            <a:lvl1pPr algn="ctr" defTabSz="457200" rtl="0" eaLnBrk="1" latinLnBrk="0" hangingPunct="1">
+              <a:spcBef>
+                <a:spcPct val="0"/>
+              </a:spcBef>
+              <a:buNone/>
+              <a:defRPr sz="4400" kern="1200">
+                <a:solidFill>
+                  <a:schemeClr val="tx1"/>
+                </a:solidFill>
+                <a:latin typeface="+mj-lt"/>
+                <a:ea typeface="+mj-ea"/>
+                <a:cs typeface="+mj-cs"/>
+              </a:defRPr>
+            </a:lvl1pPr>
+          </a:lstStyle>
+          <a:p>
+            <a:r>
+              <a:rPr lang="en-US" smtClean="0"/>
+              <a:t>Threads</a:t>
+            </a:r>
             <a:endParaRPr lang="en-US" dirty="0"/>
           </a:p>
         </p:txBody>
       </p:sp>
       <p:sp>
         <p:nvSpPr>
-          <p:cNvPr id="5" name="TextBox 4"/>
-          <p:cNvSpPr txBox="1"/>
+          <p:cNvPr id="5" name="Content Placeholder 2"/>
+          <p:cNvSpPr txBox="1">
+            <a:spLocks/>
+          </p:cNvSpPr>
           <p:nvPr/>
         </p:nvSpPr>
         <p:spPr>
           <a:xfrm>
-            <a:off x="1203719" y="1187072"/>
-            <a:ext cx="6512819" cy="3293209"/>
-          </a:xfrm>
-          <a:prstGeom prst="rect">
-            <a:avLst/>
-          </a:prstGeom>
-          <a:noFill/>
-        </p:spPr>
-        <p:txBody>
-          <a:bodyPr wrap="square" rtlCol="0">
-            <a:spAutoFit/>
-          </a:bodyPr>
-          <a:lstStyle/>
-          <a:p>
-            <a:r>
-              <a:rPr lang="en-US" sz="1600" dirty="0" smtClean="0"/>
-              <a:t>ExecutorService executor = Executors.newFixedThreadPool(5);</a:t>
-            </a:r>
-          </a:p>
-          <a:p>
-            <a:r>
-              <a:rPr lang="en-US" sz="1600" dirty="0"/>
-              <a:t>L</a:t>
-            </a:r>
-            <a:r>
-              <a:rPr lang="en-US" sz="1600" dirty="0" smtClean="0"/>
-              <a:t>ist&lt;Callable&lt;String&gt;&gt; callable = Arrays.asList(</a:t>
-            </a:r>
-          </a:p>
-          <a:p>
-            <a:r>
-              <a:rPr lang="en-US" sz="1600" dirty="0"/>
-              <a:t>	</a:t>
-            </a:r>
-            <a:r>
-              <a:rPr lang="en-US" sz="1600" dirty="0" smtClean="0"/>
-              <a:t>() -&gt; “task1”,</a:t>
-            </a:r>
-          </a:p>
-          <a:p>
-            <a:r>
-              <a:rPr lang="en-US" sz="1600" dirty="0"/>
-              <a:t>	</a:t>
-            </a:r>
-            <a:r>
-              <a:rPr lang="en-US" sz="1600" dirty="0" smtClean="0"/>
-              <a:t>() -&gt; “task2”,</a:t>
-            </a:r>
-          </a:p>
-          <a:p>
-            <a:r>
-              <a:rPr lang="en-US" sz="1600" dirty="0"/>
-              <a:t>	</a:t>
-            </a:r>
-            <a:r>
-              <a:rPr lang="en-US" sz="1600" dirty="0" smtClean="0"/>
-              <a:t>() -&gt; “task3”);</a:t>
-            </a:r>
-          </a:p>
-          <a:p>
-            <a:endParaRPr lang="en-US" sz="1600" dirty="0"/>
-          </a:p>
-          <a:p>
-            <a:r>
-              <a:rPr lang="en-US" sz="1600" dirty="0" smtClean="0"/>
-              <a:t>executor.invokeAll(callables)</a:t>
-            </a:r>
-          </a:p>
-          <a:p>
-            <a:r>
-              <a:rPr lang="en-US" sz="1600" dirty="0"/>
-              <a:t>	</a:t>
-            </a:r>
-            <a:r>
-              <a:rPr lang="en-US" sz="1600" dirty="0" smtClean="0"/>
-              <a:t>.stream()</a:t>
-            </a:r>
-          </a:p>
-          <a:p>
-            <a:r>
-              <a:rPr lang="en-US" sz="1600" dirty="0" smtClean="0"/>
-              <a:t>	.map(future -&gt; {</a:t>
-            </a:r>
-          </a:p>
-          <a:p>
-            <a:r>
-              <a:rPr lang="en-US" sz="1600" dirty="0"/>
-              <a:t>	</a:t>
-            </a:r>
-            <a:r>
-              <a:rPr lang="en-US" sz="1600" dirty="0" smtClean="0"/>
-              <a:t>	return future.get();</a:t>
-            </a:r>
-          </a:p>
-          <a:p>
-            <a:r>
-              <a:rPr lang="en-US" sz="1600" dirty="0"/>
-              <a:t>	</a:t>
-            </a:r>
-            <a:r>
-              <a:rPr lang="en-US" sz="1600" dirty="0" smtClean="0"/>
-              <a:t>}).forEach(System.out::println);</a:t>
-            </a:r>
-          </a:p>
-          <a:p>
-            <a:endParaRPr lang="en-US" sz="1600" dirty="0" smtClean="0"/>
-          </a:p>
-          <a:p>
-            <a:endParaRPr lang="en-US" sz="1600" dirty="0" smtClean="0"/>
-          </a:p>
-        </p:txBody>
-      </p:sp>
-      <p:sp>
-        <p:nvSpPr>
-          <p:cNvPr id="6" name="Content Placeholder 2"/>
-          <p:cNvSpPr txBox="1">
-            <a:spLocks/>
-          </p:cNvSpPr>
-          <p:nvPr/>
-        </p:nvSpPr>
-        <p:spPr>
-          <a:xfrm>
-            <a:off x="457200" y="4016924"/>
-            <a:ext cx="8229600" cy="2469030"/>
+            <a:off x="457200" y="1445821"/>
+            <a:ext cx="8533390" cy="4525963"/>
           </a:xfrm>
           <a:prstGeom prst="rect">
             <a:avLst/>
@@ -7107,707 +8573,6 @@
             </a:lvl9pPr>
           </a:lstStyle>
           <a:p>
-            <a:pPr marL="0" indent="0">
-              <a:buFont typeface="Arial"/>
-              <a:buNone/>
-            </a:pPr>
-            <a:r>
-              <a:rPr lang="en-US" sz="3800" dirty="0" smtClean="0"/>
-              <a:t>Submitting multiple Callables at once</a:t>
-            </a:r>
-            <a:r>
-              <a:rPr lang="en-US" dirty="0" smtClean="0"/>
-              <a:t> </a:t>
-            </a:r>
-          </a:p>
-          <a:p>
-            <a:r>
-              <a:rPr lang="en-US" dirty="0" smtClean="0"/>
-              <a:t>Add timeout to get() to prevent running forever.</a:t>
-            </a:r>
-          </a:p>
-          <a:p>
-            <a:endParaRPr lang="en-US" dirty="0" smtClean="0"/>
-          </a:p>
-        </p:txBody>
-      </p:sp>
-    </p:spTree>
-    <p:extLst>
-      <p:ext uri="{BB962C8B-B14F-4D97-AF65-F5344CB8AC3E}">
-        <p14:creationId xmlns:p14="http://schemas.microsoft.com/office/powerpoint/2010/main" val="2703061127"/>
-      </p:ext>
-    </p:extLst>
-  </p:cSld>
-  <p:clrMapOvr>
-    <a:masterClrMapping/>
-  </p:clrMapOvr>
-</p:sld>
-</file>
-
-<file path=ppt/slides/slide18.xml><?xml version="1.0" encoding="utf-8"?>
-<p:sld xmlns:a="http://schemas.openxmlformats.org/drawingml/2006/main" xmlns:r="http://schemas.openxmlformats.org/officeDocument/2006/relationships" xmlns:p="http://schemas.openxmlformats.org/presentationml/2006/main">
-  <p:cSld>
-    <p:spTree>
-      <p:nvGrpSpPr>
-        <p:cNvPr id="1" name=""/>
-        <p:cNvGrpSpPr/>
-        <p:nvPr/>
-      </p:nvGrpSpPr>
-      <p:grpSpPr>
-        <a:xfrm>
-          <a:off x="0" y="0"/>
-          <a:ext cx="0" cy="0"/>
-          <a:chOff x="0" y="0"/>
-          <a:chExt cx="0" cy="0"/>
-        </a:xfrm>
-      </p:grpSpPr>
-      <p:sp>
-        <p:nvSpPr>
-          <p:cNvPr id="3" name="Content Placeholder 2"/>
-          <p:cNvSpPr>
-            <a:spLocks noGrp="1"/>
-          </p:cNvSpPr>
-          <p:nvPr>
-            <p:ph idx="1"/>
-          </p:nvPr>
-        </p:nvSpPr>
-        <p:spPr>
-          <a:xfrm>
-            <a:off x="457200" y="533226"/>
-            <a:ext cx="8229600" cy="814379"/>
-          </a:xfrm>
-        </p:spPr>
-        <p:txBody>
-          <a:bodyPr/>
-          <a:lstStyle/>
-          <a:p>
-            <a:pPr marL="0" indent="0">
-              <a:buNone/>
-            </a:pPr>
-            <a:r>
-              <a:rPr lang="en-US" dirty="0" smtClean="0"/>
-              <a:t>Future</a:t>
-            </a:r>
-            <a:endParaRPr lang="en-US" dirty="0"/>
-          </a:p>
-        </p:txBody>
-      </p:sp>
-      <p:sp>
-        <p:nvSpPr>
-          <p:cNvPr id="4" name="Rectangle 3"/>
-          <p:cNvSpPr/>
-          <p:nvPr/>
-        </p:nvSpPr>
-        <p:spPr>
-          <a:xfrm>
-            <a:off x="1033113" y="1177595"/>
-            <a:ext cx="6508930" cy="2409555"/>
-          </a:xfrm>
-          <a:prstGeom prst="rect">
-            <a:avLst/>
-          </a:prstGeom>
-          <a:solidFill>
-            <a:schemeClr val="bg1">
-              <a:lumMod val="85000"/>
-            </a:schemeClr>
-          </a:solidFill>
-        </p:spPr>
-        <p:style>
-          <a:lnRef idx="1">
-            <a:schemeClr val="accent1"/>
-          </a:lnRef>
-          <a:fillRef idx="3">
-            <a:schemeClr val="accent1"/>
-          </a:fillRef>
-          <a:effectRef idx="2">
-            <a:schemeClr val="accent1"/>
-          </a:effectRef>
-          <a:fontRef idx="minor">
-            <a:schemeClr val="lt1"/>
-          </a:fontRef>
-        </p:style>
-        <p:txBody>
-          <a:bodyPr rtlCol="0" anchor="ctr"/>
-          <a:lstStyle/>
-          <a:p>
-            <a:pPr algn="ctr"/>
-            <a:endParaRPr lang="en-US" dirty="0"/>
-          </a:p>
-        </p:txBody>
-      </p:sp>
-      <p:sp>
-        <p:nvSpPr>
-          <p:cNvPr id="5" name="TextBox 4"/>
-          <p:cNvSpPr txBox="1"/>
-          <p:nvPr/>
-        </p:nvSpPr>
-        <p:spPr>
-          <a:xfrm>
-            <a:off x="1203719" y="1187072"/>
-            <a:ext cx="6512819" cy="1569660"/>
-          </a:xfrm>
-          <a:prstGeom prst="rect">
-            <a:avLst/>
-          </a:prstGeom>
-          <a:noFill/>
-        </p:spPr>
-        <p:txBody>
-          <a:bodyPr wrap="square" rtlCol="0">
-            <a:spAutoFit/>
-          </a:bodyPr>
-          <a:lstStyle/>
-          <a:p>
-            <a:r>
-              <a:rPr lang="en-US" sz="1600" dirty="0" smtClean="0"/>
-              <a:t>ExecutorService executor = Executors.newFixedThreadPool(1);</a:t>
-            </a:r>
-          </a:p>
-          <a:p>
-            <a:endParaRPr lang="en-US" sz="1600" dirty="0"/>
-          </a:p>
-          <a:p>
-            <a:r>
-              <a:rPr lang="en-US" sz="1600" dirty="0" smtClean="0"/>
-              <a:t>Future&lt;Integer&gt; future = executor.submit(task);</a:t>
-            </a:r>
-          </a:p>
-          <a:p>
-            <a:endParaRPr lang="en-US" sz="1600" dirty="0"/>
-          </a:p>
-          <a:p>
-            <a:r>
-              <a:rPr lang="en-US" sz="1600" dirty="0" smtClean="0"/>
-              <a:t>Integer result = future.get(1, TimeUnit.SECONDS);</a:t>
-            </a:r>
-          </a:p>
-          <a:p>
-            <a:endParaRPr lang="en-US" sz="1600" dirty="0" smtClean="0"/>
-          </a:p>
-        </p:txBody>
-      </p:sp>
-      <p:sp>
-        <p:nvSpPr>
-          <p:cNvPr id="6" name="Content Placeholder 2"/>
-          <p:cNvSpPr txBox="1">
-            <a:spLocks/>
-          </p:cNvSpPr>
-          <p:nvPr/>
-        </p:nvSpPr>
-        <p:spPr>
-          <a:xfrm>
-            <a:off x="457200" y="4016924"/>
-            <a:ext cx="8229600" cy="2469030"/>
-          </a:xfrm>
-          <a:prstGeom prst="rect">
-            <a:avLst/>
-          </a:prstGeom>
-        </p:spPr>
-        <p:txBody>
-          <a:bodyPr vert="horz" lIns="91440" tIns="45720" rIns="91440" bIns="45720" rtlCol="0">
-            <a:normAutofit fontScale="92500"/>
-          </a:bodyPr>
-          <a:lstStyle>
-            <a:lvl1pPr marL="342900" indent="-342900" algn="l" defTabSz="457200" rtl="0" eaLnBrk="1" latinLnBrk="0" hangingPunct="1">
-              <a:spcBef>
-                <a:spcPct val="20000"/>
-              </a:spcBef>
-              <a:buFont typeface="Arial"/>
-              <a:buChar char="•"/>
-              <a:defRPr sz="3200" kern="1200">
-                <a:solidFill>
-                  <a:schemeClr val="tx1"/>
-                </a:solidFill>
-                <a:latin typeface="+mn-lt"/>
-                <a:ea typeface="+mn-ea"/>
-                <a:cs typeface="+mn-cs"/>
-              </a:defRPr>
-            </a:lvl1pPr>
-            <a:lvl2pPr marL="742950" indent="-285750" algn="l" defTabSz="457200" rtl="0" eaLnBrk="1" latinLnBrk="0" hangingPunct="1">
-              <a:spcBef>
-                <a:spcPct val="20000"/>
-              </a:spcBef>
-              <a:buFont typeface="Arial"/>
-              <a:buChar char="–"/>
-              <a:defRPr sz="2800" kern="1200">
-                <a:solidFill>
-                  <a:schemeClr val="tx1"/>
-                </a:solidFill>
-                <a:latin typeface="+mn-lt"/>
-                <a:ea typeface="+mn-ea"/>
-                <a:cs typeface="+mn-cs"/>
-              </a:defRPr>
-            </a:lvl2pPr>
-            <a:lvl3pPr marL="1143000" indent="-228600" algn="l" defTabSz="457200" rtl="0" eaLnBrk="1" latinLnBrk="0" hangingPunct="1">
-              <a:spcBef>
-                <a:spcPct val="20000"/>
-              </a:spcBef>
-              <a:buFont typeface="Arial"/>
-              <a:buChar char="•"/>
-              <a:defRPr sz="2400" kern="1200">
-                <a:solidFill>
-                  <a:schemeClr val="tx1"/>
-                </a:solidFill>
-                <a:latin typeface="+mn-lt"/>
-                <a:ea typeface="+mn-ea"/>
-                <a:cs typeface="+mn-cs"/>
-              </a:defRPr>
-            </a:lvl3pPr>
-            <a:lvl4pPr marL="1600200" indent="-228600" algn="l" defTabSz="457200" rtl="0" eaLnBrk="1" latinLnBrk="0" hangingPunct="1">
-              <a:spcBef>
-                <a:spcPct val="20000"/>
-              </a:spcBef>
-              <a:buFont typeface="Arial"/>
-              <a:buChar char="–"/>
-              <a:defRPr sz="2000" kern="1200">
-                <a:solidFill>
-                  <a:schemeClr val="tx1"/>
-                </a:solidFill>
-                <a:latin typeface="+mn-lt"/>
-                <a:ea typeface="+mn-ea"/>
-                <a:cs typeface="+mn-cs"/>
-              </a:defRPr>
-            </a:lvl4pPr>
-            <a:lvl5pPr marL="2057400" indent="-228600" algn="l" defTabSz="457200" rtl="0" eaLnBrk="1" latinLnBrk="0" hangingPunct="1">
-              <a:spcBef>
-                <a:spcPct val="20000"/>
-              </a:spcBef>
-              <a:buFont typeface="Arial"/>
-              <a:buChar char="»"/>
-              <a:defRPr sz="2000" kern="1200">
-                <a:solidFill>
-                  <a:schemeClr val="tx1"/>
-                </a:solidFill>
-                <a:latin typeface="+mn-lt"/>
-                <a:ea typeface="+mn-ea"/>
-                <a:cs typeface="+mn-cs"/>
-              </a:defRPr>
-            </a:lvl5pPr>
-            <a:lvl6pPr marL="2514600" indent="-228600" algn="l" defTabSz="457200" rtl="0" eaLnBrk="1" latinLnBrk="0" hangingPunct="1">
-              <a:spcBef>
-                <a:spcPct val="20000"/>
-              </a:spcBef>
-              <a:buFont typeface="Arial"/>
-              <a:buChar char="•"/>
-              <a:defRPr sz="2000" kern="1200">
-                <a:solidFill>
-                  <a:schemeClr val="tx1"/>
-                </a:solidFill>
-                <a:latin typeface="+mn-lt"/>
-                <a:ea typeface="+mn-ea"/>
-                <a:cs typeface="+mn-cs"/>
-              </a:defRPr>
-            </a:lvl6pPr>
-            <a:lvl7pPr marL="2971800" indent="-228600" algn="l" defTabSz="457200" rtl="0" eaLnBrk="1" latinLnBrk="0" hangingPunct="1">
-              <a:spcBef>
-                <a:spcPct val="20000"/>
-              </a:spcBef>
-              <a:buFont typeface="Arial"/>
-              <a:buChar char="•"/>
-              <a:defRPr sz="2000" kern="1200">
-                <a:solidFill>
-                  <a:schemeClr val="tx1"/>
-                </a:solidFill>
-                <a:latin typeface="+mn-lt"/>
-                <a:ea typeface="+mn-ea"/>
-                <a:cs typeface="+mn-cs"/>
-              </a:defRPr>
-            </a:lvl7pPr>
-            <a:lvl8pPr marL="3429000" indent="-228600" algn="l" defTabSz="457200" rtl="0" eaLnBrk="1" latinLnBrk="0" hangingPunct="1">
-              <a:spcBef>
-                <a:spcPct val="20000"/>
-              </a:spcBef>
-              <a:buFont typeface="Arial"/>
-              <a:buChar char="•"/>
-              <a:defRPr sz="2000" kern="1200">
-                <a:solidFill>
-                  <a:schemeClr val="tx1"/>
-                </a:solidFill>
-                <a:latin typeface="+mn-lt"/>
-                <a:ea typeface="+mn-ea"/>
-                <a:cs typeface="+mn-cs"/>
-              </a:defRPr>
-            </a:lvl8pPr>
-            <a:lvl9pPr marL="3886200" indent="-228600" algn="l" defTabSz="457200" rtl="0" eaLnBrk="1" latinLnBrk="0" hangingPunct="1">
-              <a:spcBef>
-                <a:spcPct val="20000"/>
-              </a:spcBef>
-              <a:buFont typeface="Arial"/>
-              <a:buChar char="•"/>
-              <a:defRPr sz="2000" kern="1200">
-                <a:solidFill>
-                  <a:schemeClr val="tx1"/>
-                </a:solidFill>
-                <a:latin typeface="+mn-lt"/>
-                <a:ea typeface="+mn-ea"/>
-                <a:cs typeface="+mn-cs"/>
-              </a:defRPr>
-            </a:lvl9pPr>
-          </a:lstStyle>
-          <a:p>
-            <a:pPr marL="0" indent="0">
-              <a:buFont typeface="Arial"/>
-              <a:buNone/>
-            </a:pPr>
-            <a:r>
-              <a:rPr lang="en-US" sz="3800" dirty="0" smtClean="0"/>
-              <a:t>Future</a:t>
-            </a:r>
-            <a:r>
-              <a:rPr lang="en-US" dirty="0" smtClean="0"/>
-              <a:t> </a:t>
-            </a:r>
-          </a:p>
-          <a:p>
-            <a:r>
-              <a:rPr lang="en-US" dirty="0" smtClean="0"/>
-              <a:t>Submit callable with future to retrieve return.</a:t>
-            </a:r>
-          </a:p>
-          <a:p>
-            <a:r>
-              <a:rPr lang="en-US" dirty="0" smtClean="0"/>
-              <a:t>Return is retrieved with future.get();</a:t>
-            </a:r>
-          </a:p>
-          <a:p>
-            <a:r>
-              <a:rPr lang="en-US" dirty="0" smtClean="0"/>
-              <a:t>Add timeout to get() to prevent running forever.</a:t>
-            </a:r>
-          </a:p>
-          <a:p>
-            <a:endParaRPr lang="en-US" dirty="0" smtClean="0"/>
-          </a:p>
-        </p:txBody>
-      </p:sp>
-    </p:spTree>
-    <p:extLst>
-      <p:ext uri="{BB962C8B-B14F-4D97-AF65-F5344CB8AC3E}">
-        <p14:creationId xmlns:p14="http://schemas.microsoft.com/office/powerpoint/2010/main" val="2125105685"/>
-      </p:ext>
-    </p:extLst>
-  </p:cSld>
-  <p:clrMapOvr>
-    <a:masterClrMapping/>
-  </p:clrMapOvr>
-</p:sld>
-</file>
-
-<file path=ppt/slides/slide19.xml><?xml version="1.0" encoding="utf-8"?>
-<p:sld xmlns:a="http://schemas.openxmlformats.org/drawingml/2006/main" xmlns:r="http://schemas.openxmlformats.org/officeDocument/2006/relationships" xmlns:p="http://schemas.openxmlformats.org/presentationml/2006/main">
-  <p:cSld>
-    <p:spTree>
-      <p:nvGrpSpPr>
-        <p:cNvPr id="1" name=""/>
-        <p:cNvGrpSpPr/>
-        <p:nvPr/>
-      </p:nvGrpSpPr>
-      <p:grpSpPr>
-        <a:xfrm>
-          <a:off x="0" y="0"/>
-          <a:ext cx="0" cy="0"/>
-          <a:chOff x="0" y="0"/>
-          <a:chExt cx="0" cy="0"/>
-        </a:xfrm>
-      </p:grpSpPr>
-      <p:sp>
-        <p:nvSpPr>
-          <p:cNvPr id="2" name="Title 1"/>
-          <p:cNvSpPr>
-            <a:spLocks noGrp="1"/>
-          </p:cNvSpPr>
-          <p:nvPr>
-            <p:ph type="title"/>
-          </p:nvPr>
-        </p:nvSpPr>
-        <p:spPr/>
-        <p:txBody>
-          <a:bodyPr/>
-          <a:lstStyle/>
-          <a:p>
-            <a:r>
-              <a:rPr lang="en-US" dirty="0" smtClean="0"/>
-              <a:t>Sharing Mutable Values</a:t>
-            </a:r>
-            <a:endParaRPr lang="en-US" dirty="0"/>
-          </a:p>
-        </p:txBody>
-      </p:sp>
-      <p:sp>
-        <p:nvSpPr>
-          <p:cNvPr id="3" name="Content Placeholder 2"/>
-          <p:cNvSpPr>
-            <a:spLocks noGrp="1"/>
-          </p:cNvSpPr>
-          <p:nvPr>
-            <p:ph idx="1"/>
-          </p:nvPr>
-        </p:nvSpPr>
-        <p:spPr>
-          <a:xfrm>
-            <a:off x="457200" y="1600200"/>
-            <a:ext cx="8229600" cy="3699609"/>
-          </a:xfrm>
-        </p:spPr>
-        <p:txBody>
-          <a:bodyPr/>
-          <a:lstStyle/>
-          <a:p>
-            <a:r>
-              <a:rPr lang="en-US" dirty="0" smtClean="0"/>
-              <a:t>Multiple threads reading/writing same value causes race conditions.</a:t>
-            </a:r>
-          </a:p>
-          <a:p>
-            <a:r>
-              <a:rPr lang="en-US" dirty="0" smtClean="0"/>
-              <a:t>Synchronization and Locks prevent two threads accessing at once.</a:t>
-            </a:r>
-          </a:p>
-          <a:p>
-            <a:r>
-              <a:rPr lang="en-US" dirty="0" smtClean="0"/>
-              <a:t>Atomic Variables and ConcurrentMap are another non-blocking option.</a:t>
-            </a:r>
-            <a:endParaRPr lang="en-US" dirty="0"/>
-          </a:p>
-        </p:txBody>
-      </p:sp>
-    </p:spTree>
-    <p:extLst>
-      <p:ext uri="{BB962C8B-B14F-4D97-AF65-F5344CB8AC3E}">
-        <p14:creationId xmlns:p14="http://schemas.microsoft.com/office/powerpoint/2010/main" val="3064475787"/>
-      </p:ext>
-    </p:extLst>
-  </p:cSld>
-  <p:clrMapOvr>
-    <a:masterClrMapping/>
-  </p:clrMapOvr>
-</p:sld>
-</file>
-
-<file path=ppt/slides/slide2.xml><?xml version="1.0" encoding="utf-8"?>
-<p:sld xmlns:a="http://schemas.openxmlformats.org/drawingml/2006/main" xmlns:r="http://schemas.openxmlformats.org/officeDocument/2006/relationships" xmlns:p="http://schemas.openxmlformats.org/presentationml/2006/main">
-  <p:cSld>
-    <p:spTree>
-      <p:nvGrpSpPr>
-        <p:cNvPr id="1" name=""/>
-        <p:cNvGrpSpPr/>
-        <p:nvPr/>
-      </p:nvGrpSpPr>
-      <p:grpSpPr>
-        <a:xfrm>
-          <a:off x="0" y="0"/>
-          <a:ext cx="0" cy="0"/>
-          <a:chOff x="0" y="0"/>
-          <a:chExt cx="0" cy="0"/>
-        </a:xfrm>
-      </p:grpSpPr>
-      <p:sp>
-        <p:nvSpPr>
-          <p:cNvPr id="4" name="Title 1"/>
-          <p:cNvSpPr txBox="1">
-            <a:spLocks/>
-          </p:cNvSpPr>
-          <p:nvPr/>
-        </p:nvSpPr>
-        <p:spPr>
-          <a:xfrm>
-            <a:off x="457200" y="274638"/>
-            <a:ext cx="8229600" cy="1143000"/>
-          </a:xfrm>
-          <a:prstGeom prst="rect">
-            <a:avLst/>
-          </a:prstGeom>
-        </p:spPr>
-        <p:txBody>
-          <a:bodyPr vert="horz" lIns="91440" tIns="45720" rIns="91440" bIns="45720" rtlCol="0" anchor="ctr">
-            <a:normAutofit/>
-          </a:bodyPr>
-          <a:lstStyle>
-            <a:lvl1pPr algn="ctr" defTabSz="457200" rtl="0" eaLnBrk="1" latinLnBrk="0" hangingPunct="1">
-              <a:spcBef>
-                <a:spcPct val="0"/>
-              </a:spcBef>
-              <a:buNone/>
-              <a:defRPr sz="4400" kern="1200">
-                <a:solidFill>
-                  <a:schemeClr val="tx1"/>
-                </a:solidFill>
-                <a:latin typeface="+mj-lt"/>
-                <a:ea typeface="+mj-ea"/>
-                <a:cs typeface="+mj-cs"/>
-              </a:defRPr>
-            </a:lvl1pPr>
-          </a:lstStyle>
-          <a:p>
-            <a:r>
-              <a:rPr lang="en-US" smtClean="0"/>
-              <a:t>Threads</a:t>
-            </a:r>
-            <a:endParaRPr lang="en-US" dirty="0"/>
-          </a:p>
-        </p:txBody>
-      </p:sp>
-      <p:sp>
-        <p:nvSpPr>
-          <p:cNvPr id="5" name="Content Placeholder 2"/>
-          <p:cNvSpPr txBox="1">
-            <a:spLocks/>
-          </p:cNvSpPr>
-          <p:nvPr/>
-        </p:nvSpPr>
-        <p:spPr>
-          <a:xfrm>
-            <a:off x="457200" y="1445821"/>
-            <a:ext cx="8533390" cy="4525963"/>
-          </a:xfrm>
-          <a:prstGeom prst="rect">
-            <a:avLst/>
-          </a:prstGeom>
-        </p:spPr>
-        <p:txBody>
-          <a:bodyPr vert="horz" lIns="91440" tIns="45720" rIns="91440" bIns="45720" rtlCol="0">
-            <a:normAutofit/>
-          </a:bodyPr>
-          <a:lstStyle>
-            <a:lvl1pPr marL="342900" indent="-342900" algn="l" defTabSz="457200" rtl="0" eaLnBrk="1" latinLnBrk="0" hangingPunct="1">
-              <a:spcBef>
-                <a:spcPct val="20000"/>
-              </a:spcBef>
-              <a:buFont typeface="Arial"/>
-              <a:buChar char="•"/>
-              <a:defRPr sz="3200" kern="1200">
-                <a:solidFill>
-                  <a:schemeClr val="tx1"/>
-                </a:solidFill>
-                <a:latin typeface="+mn-lt"/>
-                <a:ea typeface="+mn-ea"/>
-                <a:cs typeface="+mn-cs"/>
-              </a:defRPr>
-            </a:lvl1pPr>
-            <a:lvl2pPr marL="742950" indent="-285750" algn="l" defTabSz="457200" rtl="0" eaLnBrk="1" latinLnBrk="0" hangingPunct="1">
-              <a:spcBef>
-                <a:spcPct val="20000"/>
-              </a:spcBef>
-              <a:buFont typeface="Arial"/>
-              <a:buChar char="–"/>
-              <a:defRPr sz="2800" kern="1200">
-                <a:solidFill>
-                  <a:schemeClr val="tx1"/>
-                </a:solidFill>
-                <a:latin typeface="+mn-lt"/>
-                <a:ea typeface="+mn-ea"/>
-                <a:cs typeface="+mn-cs"/>
-              </a:defRPr>
-            </a:lvl2pPr>
-            <a:lvl3pPr marL="1143000" indent="-228600" algn="l" defTabSz="457200" rtl="0" eaLnBrk="1" latinLnBrk="0" hangingPunct="1">
-              <a:spcBef>
-                <a:spcPct val="20000"/>
-              </a:spcBef>
-              <a:buFont typeface="Arial"/>
-              <a:buChar char="•"/>
-              <a:defRPr sz="2400" kern="1200">
-                <a:solidFill>
-                  <a:schemeClr val="tx1"/>
-                </a:solidFill>
-                <a:latin typeface="+mn-lt"/>
-                <a:ea typeface="+mn-ea"/>
-                <a:cs typeface="+mn-cs"/>
-              </a:defRPr>
-            </a:lvl3pPr>
-            <a:lvl4pPr marL="1600200" indent="-228600" algn="l" defTabSz="457200" rtl="0" eaLnBrk="1" latinLnBrk="0" hangingPunct="1">
-              <a:spcBef>
-                <a:spcPct val="20000"/>
-              </a:spcBef>
-              <a:buFont typeface="Arial"/>
-              <a:buChar char="–"/>
-              <a:defRPr sz="2000" kern="1200">
-                <a:solidFill>
-                  <a:schemeClr val="tx1"/>
-                </a:solidFill>
-                <a:latin typeface="+mn-lt"/>
-                <a:ea typeface="+mn-ea"/>
-                <a:cs typeface="+mn-cs"/>
-              </a:defRPr>
-            </a:lvl4pPr>
-            <a:lvl5pPr marL="2057400" indent="-228600" algn="l" defTabSz="457200" rtl="0" eaLnBrk="1" latinLnBrk="0" hangingPunct="1">
-              <a:spcBef>
-                <a:spcPct val="20000"/>
-              </a:spcBef>
-              <a:buFont typeface="Arial"/>
-              <a:buChar char="»"/>
-              <a:defRPr sz="2000" kern="1200">
-                <a:solidFill>
-                  <a:schemeClr val="tx1"/>
-                </a:solidFill>
-                <a:latin typeface="+mn-lt"/>
-                <a:ea typeface="+mn-ea"/>
-                <a:cs typeface="+mn-cs"/>
-              </a:defRPr>
-            </a:lvl5pPr>
-            <a:lvl6pPr marL="2514600" indent="-228600" algn="l" defTabSz="457200" rtl="0" eaLnBrk="1" latinLnBrk="0" hangingPunct="1">
-              <a:spcBef>
-                <a:spcPct val="20000"/>
-              </a:spcBef>
-              <a:buFont typeface="Arial"/>
-              <a:buChar char="•"/>
-              <a:defRPr sz="2000" kern="1200">
-                <a:solidFill>
-                  <a:schemeClr val="tx1"/>
-                </a:solidFill>
-                <a:latin typeface="+mn-lt"/>
-                <a:ea typeface="+mn-ea"/>
-                <a:cs typeface="+mn-cs"/>
-              </a:defRPr>
-            </a:lvl6pPr>
-            <a:lvl7pPr marL="2971800" indent="-228600" algn="l" defTabSz="457200" rtl="0" eaLnBrk="1" latinLnBrk="0" hangingPunct="1">
-              <a:spcBef>
-                <a:spcPct val="20000"/>
-              </a:spcBef>
-              <a:buFont typeface="Arial"/>
-              <a:buChar char="•"/>
-              <a:defRPr sz="2000" kern="1200">
-                <a:solidFill>
-                  <a:schemeClr val="tx1"/>
-                </a:solidFill>
-                <a:latin typeface="+mn-lt"/>
-                <a:ea typeface="+mn-ea"/>
-                <a:cs typeface="+mn-cs"/>
-              </a:defRPr>
-            </a:lvl7pPr>
-            <a:lvl8pPr marL="3429000" indent="-228600" algn="l" defTabSz="457200" rtl="0" eaLnBrk="1" latinLnBrk="0" hangingPunct="1">
-              <a:spcBef>
-                <a:spcPct val="20000"/>
-              </a:spcBef>
-              <a:buFont typeface="Arial"/>
-              <a:buChar char="•"/>
-              <a:defRPr sz="2000" kern="1200">
-                <a:solidFill>
-                  <a:schemeClr val="tx1"/>
-                </a:solidFill>
-                <a:latin typeface="+mn-lt"/>
-                <a:ea typeface="+mn-ea"/>
-                <a:cs typeface="+mn-cs"/>
-              </a:defRPr>
-            </a:lvl8pPr>
-            <a:lvl9pPr marL="3886200" indent="-228600" algn="l" defTabSz="457200" rtl="0" eaLnBrk="1" latinLnBrk="0" hangingPunct="1">
-              <a:spcBef>
-                <a:spcPct val="20000"/>
-              </a:spcBef>
-              <a:buFont typeface="Arial"/>
-              <a:buChar char="•"/>
-              <a:defRPr sz="2000" kern="1200">
-                <a:solidFill>
-                  <a:schemeClr val="tx1"/>
-                </a:solidFill>
-                <a:latin typeface="+mn-lt"/>
-                <a:ea typeface="+mn-ea"/>
-                <a:cs typeface="+mn-cs"/>
-              </a:defRPr>
-            </a:lvl9pPr>
-          </a:lstStyle>
-          <a:p>
             <a:r>
               <a:rPr lang="en-US" sz="2800" dirty="0" smtClean="0"/>
               <a:t>A thread is a thread of execution in a program.</a:t>
@@ -7956,92 +8721,121 @@
           <a:p>
             <a:r>
               <a:rPr lang="en-US" dirty="0" smtClean="0"/>
-              <a:t>Create a Thread</a:t>
+              <a:t>Runnables</a:t>
             </a:r>
             <a:endParaRPr lang="en-US" dirty="0"/>
           </a:p>
         </p:txBody>
       </p:sp>
-      <p:sp>
-        <p:nvSpPr>
-          <p:cNvPr id="3" name="Content Placeholder 2"/>
-          <p:cNvSpPr>
-            <a:spLocks noGrp="1"/>
-          </p:cNvSpPr>
-          <p:nvPr>
-            <p:ph idx="1"/>
-          </p:nvPr>
-        </p:nvSpPr>
-        <p:spPr/>
-        <p:txBody>
-          <a:bodyPr>
-            <a:normAutofit lnSpcReduction="10000"/>
+      <p:pic>
+        <p:nvPicPr>
+          <p:cNvPr id="4" name="Picture 3" descr="Tips-to-Managing-Tasks.jpg"/>
+          <p:cNvPicPr>
+            <a:picLocks noChangeAspect="1"/>
+          </p:cNvPicPr>
+          <p:nvPr/>
+        </p:nvPicPr>
+        <p:blipFill>
+          <a:blip r:embed="rId3">
+            <a:extLst>
+              <a:ext uri="{28A0092B-C50C-407E-A947-70E740481C1C}">
+                <a14:useLocalDpi xmlns:a14="http://schemas.microsoft.com/office/drawing/2010/main" val="0"/>
+              </a:ext>
+            </a:extLst>
+          </a:blip>
+          <a:stretch>
+            <a:fillRect/>
+          </a:stretch>
+        </p:blipFill>
+        <p:spPr>
+          <a:xfrm>
+            <a:off x="2782038" y="1417638"/>
+            <a:ext cx="3303672" cy="2198557"/>
+          </a:xfrm>
+          <a:prstGeom prst="rect">
+            <a:avLst/>
+          </a:prstGeom>
+        </p:spPr>
+      </p:pic>
+      <p:sp>
+        <p:nvSpPr>
+          <p:cNvPr id="5" name="TextBox 4"/>
+          <p:cNvSpPr txBox="1"/>
+          <p:nvPr/>
+        </p:nvSpPr>
+        <p:spPr>
+          <a:xfrm>
+            <a:off x="934906" y="3898697"/>
+            <a:ext cx="7751894" cy="3046988"/>
+          </a:xfrm>
+          <a:prstGeom prst="rect">
+            <a:avLst/>
+          </a:prstGeom>
+          <a:noFill/>
+        </p:spPr>
+        <p:txBody>
+          <a:bodyPr wrap="square" rtlCol="0">
+            <a:spAutoFit/>
           </a:bodyPr>
           <a:lstStyle/>
           <a:p>
             <a:r>
-              <a:rPr lang="en-US" dirty="0" smtClean="0"/>
-              <a:t>3 different ways:</a:t>
-            </a:r>
-          </a:p>
-          <a:p>
-            <a:pPr lvl="1"/>
-            <a:r>
-              <a:rPr lang="en-US" dirty="0" smtClean="0"/>
+              <a:rPr lang="en-US" sz="2400" dirty="0" smtClean="0"/>
+              <a:t>Create a specific task for a generic employee to accomplish.</a:t>
+            </a:r>
+          </a:p>
+          <a:p>
+            <a:endParaRPr lang="en-US" sz="2400" dirty="0" smtClean="0"/>
+          </a:p>
+          <a:p>
+            <a:pPr marL="342900" indent="-342900">
+              <a:buFont typeface="Arial"/>
+              <a:buChar char="•"/>
+            </a:pPr>
+            <a:r>
+              <a:rPr lang="en-US" sz="3200" dirty="0" smtClean="0"/>
               <a:t>Implement Runnable Interface</a:t>
             </a:r>
           </a:p>
           <a:p>
-            <a:pPr lvl="1"/>
-            <a:r>
-              <a:rPr lang="en-US" dirty="0" smtClean="0"/>
-              <a:t>Extend Thread Class</a:t>
-            </a:r>
-            <a:endParaRPr lang="en-US" dirty="0" smtClean="0"/>
-          </a:p>
-          <a:p>
-            <a:pPr lvl="1"/>
-            <a:r>
-              <a:rPr lang="en-US" dirty="0" smtClean="0"/>
-              <a:t>Executors</a:t>
-            </a:r>
-          </a:p>
-          <a:p>
-            <a:pPr lvl="1"/>
-            <a:endParaRPr lang="en-US" dirty="0" smtClean="0"/>
-          </a:p>
-          <a:p>
-            <a:pPr marL="457200" lvl="1" indent="0">
-              <a:buNone/>
+            <a:pPr marL="342900" indent="-342900">
+              <a:buFont typeface="Arial"/>
+              <a:buChar char="•"/>
             </a:pPr>
             <a:r>
-              <a:rPr lang="en-US" dirty="0" smtClean="0"/>
-              <a:t>Threads and Runnables work directly with threads</a:t>
-            </a:r>
-            <a:endParaRPr lang="en-US" dirty="0"/>
-          </a:p>
-          <a:p>
-            <a:pPr marL="457200" lvl="1" indent="0">
-              <a:buNone/>
+              <a:rPr lang="en-US" sz="3200" dirty="0" smtClean="0"/>
+              <a:t>Preferred over Extending Class because</a:t>
+            </a:r>
+          </a:p>
+          <a:p>
+            <a:pPr marL="800100" lvl="1" indent="-342900">
+              <a:buFont typeface="Arial"/>
+              <a:buChar char="•"/>
             </a:pPr>
-            <a:endParaRPr lang="en-US" dirty="0" smtClean="0"/>
-          </a:p>
-          <a:p>
-            <a:pPr marL="457200" lvl="1" indent="0">
-              <a:buNone/>
+            <a:r>
+              <a:rPr lang="en-US" sz="2800" dirty="0" smtClean="0"/>
+              <a:t>More flexible. Allows extending another class.</a:t>
+            </a:r>
+          </a:p>
+          <a:p>
+            <a:pPr marL="800100" lvl="1" indent="-342900">
+              <a:buFont typeface="Arial"/>
+              <a:buChar char="•"/>
             </a:pPr>
             <a:r>
-              <a:rPr lang="en-US" dirty="0" smtClean="0"/>
-              <a:t>Executors are a higher level replacement for working with threads directly</a:t>
-            </a:r>
-            <a:endParaRPr lang="en-US" dirty="0"/>
+              <a:rPr lang="en-US" sz="2800" dirty="0" smtClean="0"/>
+              <a:t>Can use Lambda expressions.</a:t>
+            </a:r>
+          </a:p>
+          <a:p>
+            <a:endParaRPr lang="en-US" sz="2400" dirty="0"/>
           </a:p>
         </p:txBody>
       </p:sp>
     </p:spTree>
     <p:extLst>
       <p:ext uri="{BB962C8B-B14F-4D97-AF65-F5344CB8AC3E}">
-        <p14:creationId xmlns:p14="http://schemas.microsoft.com/office/powerpoint/2010/main" val="597246576"/>
+        <p14:creationId xmlns:p14="http://schemas.microsoft.com/office/powerpoint/2010/main" val="4151629584"/>
       </p:ext>
     </p:extLst>
   </p:cSld>
@@ -8052,319 +8846,6 @@
 </file>
 
 <file path=ppt/slides/slide5.xml><?xml version="1.0" encoding="utf-8"?>
-<p:sld xmlns:a="http://schemas.openxmlformats.org/drawingml/2006/main" xmlns:r="http://schemas.openxmlformats.org/officeDocument/2006/relationships" xmlns:p="http://schemas.openxmlformats.org/presentationml/2006/main">
-  <p:cSld>
-    <p:spTree>
-      <p:nvGrpSpPr>
-        <p:cNvPr id="1" name=""/>
-        <p:cNvGrpSpPr/>
-        <p:nvPr/>
-      </p:nvGrpSpPr>
-      <p:grpSpPr>
-        <a:xfrm>
-          <a:off x="0" y="0"/>
-          <a:ext cx="0" cy="0"/>
-          <a:chOff x="0" y="0"/>
-          <a:chExt cx="0" cy="0"/>
-        </a:xfrm>
-      </p:grpSpPr>
-      <p:sp>
-        <p:nvSpPr>
-          <p:cNvPr id="2" name="Title 1"/>
-          <p:cNvSpPr>
-            <a:spLocks noGrp="1"/>
-          </p:cNvSpPr>
-          <p:nvPr>
-            <p:ph type="title"/>
-          </p:nvPr>
-        </p:nvSpPr>
-        <p:spPr/>
-        <p:txBody>
-          <a:bodyPr/>
-          <a:lstStyle/>
-          <a:p>
-            <a:r>
-              <a:rPr lang="en-US" dirty="0" smtClean="0"/>
-              <a:t>Implement Runnable Interface</a:t>
-            </a:r>
-            <a:endParaRPr lang="en-US" dirty="0"/>
-          </a:p>
-        </p:txBody>
-      </p:sp>
-      <p:sp>
-        <p:nvSpPr>
-          <p:cNvPr id="3" name="Content Placeholder 2"/>
-          <p:cNvSpPr>
-            <a:spLocks noGrp="1"/>
-          </p:cNvSpPr>
-          <p:nvPr>
-            <p:ph idx="1"/>
-          </p:nvPr>
-        </p:nvSpPr>
-        <p:spPr>
-          <a:xfrm>
-            <a:off x="457200" y="1600200"/>
-            <a:ext cx="8229600" cy="2380259"/>
-          </a:xfrm>
-        </p:spPr>
-        <p:txBody>
-          <a:bodyPr/>
-          <a:lstStyle/>
-          <a:p>
-            <a:r>
-              <a:rPr lang="en-US" dirty="0" smtClean="0"/>
-              <a:t>Create class that implements Runnable</a:t>
-            </a:r>
-          </a:p>
-          <a:p>
-            <a:r>
-              <a:rPr lang="en-US" dirty="0" smtClean="0"/>
-              <a:t>Preferred over Extending Class because</a:t>
-            </a:r>
-          </a:p>
-          <a:p>
-            <a:pPr lvl="1"/>
-            <a:r>
-              <a:rPr lang="en-US" dirty="0" smtClean="0"/>
-              <a:t>More flexible. Allows extending another class.</a:t>
-            </a:r>
-          </a:p>
-          <a:p>
-            <a:pPr lvl="1"/>
-            <a:r>
-              <a:rPr lang="en-US" dirty="0" smtClean="0"/>
-              <a:t>Can use Lambda expressions.</a:t>
-            </a:r>
-            <a:endParaRPr lang="en-US" dirty="0"/>
-          </a:p>
-        </p:txBody>
-      </p:sp>
-      <p:sp>
-        <p:nvSpPr>
-          <p:cNvPr id="4" name="Title 1"/>
-          <p:cNvSpPr txBox="1">
-            <a:spLocks/>
-          </p:cNvSpPr>
-          <p:nvPr/>
-        </p:nvSpPr>
-        <p:spPr>
-          <a:xfrm>
-            <a:off x="457200" y="4018165"/>
-            <a:ext cx="8229600" cy="1143000"/>
-          </a:xfrm>
-          <a:prstGeom prst="rect">
-            <a:avLst/>
-          </a:prstGeom>
-        </p:spPr>
-        <p:txBody>
-          <a:bodyPr vert="horz" lIns="91440" tIns="45720" rIns="91440" bIns="45720" rtlCol="0" anchor="ctr">
-            <a:normAutofit/>
-          </a:bodyPr>
-          <a:lstStyle>
-            <a:lvl1pPr algn="ctr" defTabSz="457200" rtl="0" eaLnBrk="1" latinLnBrk="0" hangingPunct="1">
-              <a:spcBef>
-                <a:spcPct val="0"/>
-              </a:spcBef>
-              <a:buNone/>
-              <a:defRPr sz="4400" kern="1200">
-                <a:solidFill>
-                  <a:schemeClr val="tx1"/>
-                </a:solidFill>
-                <a:latin typeface="+mj-lt"/>
-                <a:ea typeface="+mj-ea"/>
-                <a:cs typeface="+mj-cs"/>
-              </a:defRPr>
-            </a:lvl1pPr>
-          </a:lstStyle>
-          <a:p>
-            <a:r>
-              <a:rPr lang="en-US" dirty="0" smtClean="0"/>
-              <a:t>Use Runnable in main method</a:t>
-            </a:r>
-            <a:endParaRPr lang="en-US" dirty="0"/>
-          </a:p>
-        </p:txBody>
-      </p:sp>
-      <p:sp>
-        <p:nvSpPr>
-          <p:cNvPr id="5" name="Content Placeholder 2"/>
-          <p:cNvSpPr txBox="1">
-            <a:spLocks/>
-          </p:cNvSpPr>
-          <p:nvPr/>
-        </p:nvSpPr>
-        <p:spPr>
-          <a:xfrm>
-            <a:off x="457200" y="5161165"/>
-            <a:ext cx="8229600" cy="2380259"/>
-          </a:xfrm>
-          <a:prstGeom prst="rect">
-            <a:avLst/>
-          </a:prstGeom>
-        </p:spPr>
-        <p:txBody>
-          <a:bodyPr vert="horz" lIns="91440" tIns="45720" rIns="91440" bIns="45720" rtlCol="0">
-            <a:normAutofit/>
-          </a:bodyPr>
-          <a:lstStyle>
-            <a:lvl1pPr marL="342900" indent="-342900" algn="l" defTabSz="457200" rtl="0" eaLnBrk="1" latinLnBrk="0" hangingPunct="1">
-              <a:spcBef>
-                <a:spcPct val="20000"/>
-              </a:spcBef>
-              <a:buFont typeface="Arial"/>
-              <a:buChar char="•"/>
-              <a:defRPr sz="3200" kern="1200">
-                <a:solidFill>
-                  <a:schemeClr val="tx1"/>
-                </a:solidFill>
-                <a:latin typeface="+mn-lt"/>
-                <a:ea typeface="+mn-ea"/>
-                <a:cs typeface="+mn-cs"/>
-              </a:defRPr>
-            </a:lvl1pPr>
-            <a:lvl2pPr marL="742950" indent="-285750" algn="l" defTabSz="457200" rtl="0" eaLnBrk="1" latinLnBrk="0" hangingPunct="1">
-              <a:spcBef>
-                <a:spcPct val="20000"/>
-              </a:spcBef>
-              <a:buFont typeface="Arial"/>
-              <a:buChar char="–"/>
-              <a:defRPr sz="2800" kern="1200">
-                <a:solidFill>
-                  <a:schemeClr val="tx1"/>
-                </a:solidFill>
-                <a:latin typeface="+mn-lt"/>
-                <a:ea typeface="+mn-ea"/>
-                <a:cs typeface="+mn-cs"/>
-              </a:defRPr>
-            </a:lvl2pPr>
-            <a:lvl3pPr marL="1143000" indent="-228600" algn="l" defTabSz="457200" rtl="0" eaLnBrk="1" latinLnBrk="0" hangingPunct="1">
-              <a:spcBef>
-                <a:spcPct val="20000"/>
-              </a:spcBef>
-              <a:buFont typeface="Arial"/>
-              <a:buChar char="•"/>
-              <a:defRPr sz="2400" kern="1200">
-                <a:solidFill>
-                  <a:schemeClr val="tx1"/>
-                </a:solidFill>
-                <a:latin typeface="+mn-lt"/>
-                <a:ea typeface="+mn-ea"/>
-                <a:cs typeface="+mn-cs"/>
-              </a:defRPr>
-            </a:lvl3pPr>
-            <a:lvl4pPr marL="1600200" indent="-228600" algn="l" defTabSz="457200" rtl="0" eaLnBrk="1" latinLnBrk="0" hangingPunct="1">
-              <a:spcBef>
-                <a:spcPct val="20000"/>
-              </a:spcBef>
-              <a:buFont typeface="Arial"/>
-              <a:buChar char="–"/>
-              <a:defRPr sz="2000" kern="1200">
-                <a:solidFill>
-                  <a:schemeClr val="tx1"/>
-                </a:solidFill>
-                <a:latin typeface="+mn-lt"/>
-                <a:ea typeface="+mn-ea"/>
-                <a:cs typeface="+mn-cs"/>
-              </a:defRPr>
-            </a:lvl4pPr>
-            <a:lvl5pPr marL="2057400" indent="-228600" algn="l" defTabSz="457200" rtl="0" eaLnBrk="1" latinLnBrk="0" hangingPunct="1">
-              <a:spcBef>
-                <a:spcPct val="20000"/>
-              </a:spcBef>
-              <a:buFont typeface="Arial"/>
-              <a:buChar char="»"/>
-              <a:defRPr sz="2000" kern="1200">
-                <a:solidFill>
-                  <a:schemeClr val="tx1"/>
-                </a:solidFill>
-                <a:latin typeface="+mn-lt"/>
-                <a:ea typeface="+mn-ea"/>
-                <a:cs typeface="+mn-cs"/>
-              </a:defRPr>
-            </a:lvl5pPr>
-            <a:lvl6pPr marL="2514600" indent="-228600" algn="l" defTabSz="457200" rtl="0" eaLnBrk="1" latinLnBrk="0" hangingPunct="1">
-              <a:spcBef>
-                <a:spcPct val="20000"/>
-              </a:spcBef>
-              <a:buFont typeface="Arial"/>
-              <a:buChar char="•"/>
-              <a:defRPr sz="2000" kern="1200">
-                <a:solidFill>
-                  <a:schemeClr val="tx1"/>
-                </a:solidFill>
-                <a:latin typeface="+mn-lt"/>
-                <a:ea typeface="+mn-ea"/>
-                <a:cs typeface="+mn-cs"/>
-              </a:defRPr>
-            </a:lvl6pPr>
-            <a:lvl7pPr marL="2971800" indent="-228600" algn="l" defTabSz="457200" rtl="0" eaLnBrk="1" latinLnBrk="0" hangingPunct="1">
-              <a:spcBef>
-                <a:spcPct val="20000"/>
-              </a:spcBef>
-              <a:buFont typeface="Arial"/>
-              <a:buChar char="•"/>
-              <a:defRPr sz="2000" kern="1200">
-                <a:solidFill>
-                  <a:schemeClr val="tx1"/>
-                </a:solidFill>
-                <a:latin typeface="+mn-lt"/>
-                <a:ea typeface="+mn-ea"/>
-                <a:cs typeface="+mn-cs"/>
-              </a:defRPr>
-            </a:lvl7pPr>
-            <a:lvl8pPr marL="3429000" indent="-228600" algn="l" defTabSz="457200" rtl="0" eaLnBrk="1" latinLnBrk="0" hangingPunct="1">
-              <a:spcBef>
-                <a:spcPct val="20000"/>
-              </a:spcBef>
-              <a:buFont typeface="Arial"/>
-              <a:buChar char="•"/>
-              <a:defRPr sz="2000" kern="1200">
-                <a:solidFill>
-                  <a:schemeClr val="tx1"/>
-                </a:solidFill>
-                <a:latin typeface="+mn-lt"/>
-                <a:ea typeface="+mn-ea"/>
-                <a:cs typeface="+mn-cs"/>
-              </a:defRPr>
-            </a:lvl8pPr>
-            <a:lvl9pPr marL="3886200" indent="-228600" algn="l" defTabSz="457200" rtl="0" eaLnBrk="1" latinLnBrk="0" hangingPunct="1">
-              <a:spcBef>
-                <a:spcPct val="20000"/>
-              </a:spcBef>
-              <a:buFont typeface="Arial"/>
-              <a:buChar char="•"/>
-              <a:defRPr sz="2000" kern="1200">
-                <a:solidFill>
-                  <a:schemeClr val="tx1"/>
-                </a:solidFill>
-                <a:latin typeface="+mn-lt"/>
-                <a:ea typeface="+mn-ea"/>
-                <a:cs typeface="+mn-cs"/>
-              </a:defRPr>
-            </a:lvl9pPr>
-          </a:lstStyle>
-          <a:p>
-            <a:r>
-              <a:rPr lang="en-US" dirty="0" smtClean="0"/>
-              <a:t>Use lambda expression to create runnable</a:t>
-            </a:r>
-          </a:p>
-        </p:txBody>
-      </p:sp>
-    </p:spTree>
-    <p:extLst>
-      <p:ext uri="{BB962C8B-B14F-4D97-AF65-F5344CB8AC3E}">
-        <p14:creationId xmlns:p14="http://schemas.microsoft.com/office/powerpoint/2010/main" val="129425713"/>
-      </p:ext>
-    </p:extLst>
-  </p:cSld>
-  <p:clrMapOvr>
-    <a:masterClrMapping/>
-  </p:clrMapOvr>
-</p:sld>
-</file>
-
-<file path=ppt/slides/slide6.xml><?xml version="1.0" encoding="utf-8"?>
 <p:sld xmlns:a="http://schemas.openxmlformats.org/drawingml/2006/main" xmlns:r="http://schemas.openxmlformats.org/officeDocument/2006/relationships" xmlns:p="http://schemas.openxmlformats.org/presentationml/2006/main">
   <p:cSld>
     <p:spTree>
@@ -8762,7 +9243,7 @@
 </p:sld>
 </file>
 
-<file path=ppt/slides/slide7.xml><?xml version="1.0" encoding="utf-8"?>
+<file path=ppt/slides/slide6.xml><?xml version="1.0" encoding="utf-8"?>
 <p:sld xmlns:a="http://schemas.openxmlformats.org/drawingml/2006/main" xmlns:r="http://schemas.openxmlformats.org/officeDocument/2006/relationships" xmlns:p="http://schemas.openxmlformats.org/presentationml/2006/main">
   <p:cSld>
     <p:spTree>
@@ -9165,7 +9646,7 @@
 </p:sld>
 </file>
 
-<file path=ppt/slides/slide8.xml><?xml version="1.0" encoding="utf-8"?>
+<file path=ppt/slides/slide7.xml><?xml version="1.0" encoding="utf-8"?>
 <p:sld xmlns:a="http://schemas.openxmlformats.org/drawingml/2006/main" xmlns:r="http://schemas.openxmlformats.org/officeDocument/2006/relationships" xmlns:p="http://schemas.openxmlformats.org/presentationml/2006/main">
   <p:cSld>
     <p:spTree>
@@ -9215,12 +9696,26 @@
             <p:ph idx="1"/>
           </p:nvPr>
         </p:nvSpPr>
-        <p:spPr/>
+        <p:spPr>
+          <a:xfrm>
+            <a:off x="457200" y="3329033"/>
+            <a:ext cx="8229600" cy="4525963"/>
+          </a:xfrm>
+        </p:spPr>
         <p:txBody>
           <a:bodyPr>
             <a:normAutofit/>
           </a:bodyPr>
           <a:lstStyle/>
+          <a:p>
+            <a:pPr marL="0" indent="0" algn="ctr">
+              <a:buNone/>
+            </a:pPr>
+            <a:r>
+              <a:rPr lang="en-US" sz="2400" dirty="0" smtClean="0"/>
+              <a:t>Hire a specific kind of employee that does a set task.</a:t>
+            </a:r>
+          </a:p>
           <a:p>
             <a:r>
               <a:rPr lang="en-US" dirty="0" smtClean="0"/>
@@ -9263,6 +9758,36 @@
           </a:p>
         </p:txBody>
       </p:sp>
+      <p:pic>
+        <p:nvPicPr>
+          <p:cNvPr id="4" name="Picture 3" descr="img2.thejournal.jpg"/>
+          <p:cNvPicPr>
+            <a:picLocks noChangeAspect="1"/>
+          </p:cNvPicPr>
+          <p:nvPr/>
+        </p:nvPicPr>
+        <p:blipFill>
+          <a:blip r:embed="rId3">
+            <a:extLst>
+              <a:ext uri="{28A0092B-C50C-407E-A947-70E740481C1C}">
+                <a14:useLocalDpi xmlns:a14="http://schemas.microsoft.com/office/drawing/2010/main" val="0"/>
+              </a:ext>
+            </a:extLst>
+          </a:blip>
+          <a:stretch>
+            <a:fillRect/>
+          </a:stretch>
+        </p:blipFill>
+        <p:spPr>
+          <a:xfrm>
+            <a:off x="2986993" y="1387521"/>
+            <a:ext cx="2912268" cy="1941512"/>
+          </a:xfrm>
+          <a:prstGeom prst="rect">
+            <a:avLst/>
+          </a:prstGeom>
+        </p:spPr>
+      </p:pic>
     </p:spTree>
     <p:extLst>
       <p:ext uri="{BB962C8B-B14F-4D97-AF65-F5344CB8AC3E}">
@@ -9276,7 +9801,7 @@
 </p:sld>
 </file>
 
-<file path=ppt/slides/slide9.xml><?xml version="1.0" encoding="utf-8"?>
+<file path=ppt/slides/slide8.xml><?xml version="1.0" encoding="utf-8"?>
 <p:sld xmlns:a="http://schemas.openxmlformats.org/drawingml/2006/main" xmlns:r="http://schemas.openxmlformats.org/officeDocument/2006/relationships" xmlns:p="http://schemas.openxmlformats.org/presentationml/2006/main">
   <p:cSld>
     <p:spTree>
@@ -9629,6 +10154,131 @@
     <p:extLst>
       <p:ext uri="{BB962C8B-B14F-4D97-AF65-F5344CB8AC3E}">
         <p14:creationId xmlns:p14="http://schemas.microsoft.com/office/powerpoint/2010/main" val="1587912178"/>
+      </p:ext>
+    </p:extLst>
+  </p:cSld>
+  <p:clrMapOvr>
+    <a:masterClrMapping/>
+  </p:clrMapOvr>
+</p:sld>
+</file>
+
+<file path=ppt/slides/slide9.xml><?xml version="1.0" encoding="utf-8"?>
+<p:sld xmlns:a="http://schemas.openxmlformats.org/drawingml/2006/main" xmlns:r="http://schemas.openxmlformats.org/officeDocument/2006/relationships" xmlns:p="http://schemas.openxmlformats.org/presentationml/2006/main">
+  <p:cSld>
+    <p:spTree>
+      <p:nvGrpSpPr>
+        <p:cNvPr id="1" name=""/>
+        <p:cNvGrpSpPr/>
+        <p:nvPr/>
+      </p:nvGrpSpPr>
+      <p:grpSpPr>
+        <a:xfrm>
+          <a:off x="0" y="0"/>
+          <a:ext cx="0" cy="0"/>
+          <a:chOff x="0" y="0"/>
+          <a:chExt cx="0" cy="0"/>
+        </a:xfrm>
+      </p:grpSpPr>
+      <p:sp>
+        <p:nvSpPr>
+          <p:cNvPr id="2" name="Title 1"/>
+          <p:cNvSpPr>
+            <a:spLocks noGrp="1"/>
+          </p:cNvSpPr>
+          <p:nvPr>
+            <p:ph type="title"/>
+          </p:nvPr>
+        </p:nvSpPr>
+        <p:spPr/>
+        <p:txBody>
+          <a:bodyPr/>
+          <a:lstStyle/>
+          <a:p>
+            <a:r>
+              <a:rPr lang="en-US" dirty="0" smtClean="0"/>
+              <a:t>Methods that work with Threads</a:t>
+            </a:r>
+            <a:endParaRPr lang="en-US" dirty="0"/>
+          </a:p>
+        </p:txBody>
+      </p:sp>
+      <p:sp>
+        <p:nvSpPr>
+          <p:cNvPr id="3" name="Content Placeholder 2"/>
+          <p:cNvSpPr>
+            <a:spLocks noGrp="1"/>
+          </p:cNvSpPr>
+          <p:nvPr>
+            <p:ph idx="1"/>
+          </p:nvPr>
+        </p:nvSpPr>
+        <p:spPr/>
+        <p:txBody>
+          <a:bodyPr>
+            <a:normAutofit fontScale="92500"/>
+          </a:bodyPr>
+          <a:lstStyle/>
+          <a:p>
+            <a:r>
+              <a:rPr lang="en-US" dirty="0" smtClean="0"/>
+              <a:t>sleep(1000);  Causes thread to wait for a time.</a:t>
+            </a:r>
+          </a:p>
+          <a:p>
+            <a:r>
+              <a:rPr lang="en-US" dirty="0" smtClean="0"/>
+              <a:t>sleep needs try catch for InterruptedException</a:t>
+            </a:r>
+          </a:p>
+          <a:p>
+            <a:r>
+              <a:rPr lang="en-US" dirty="0" err="1" smtClean="0"/>
+              <a:t>currentThread</a:t>
+            </a:r>
+            <a:r>
+              <a:rPr lang="en-US" dirty="0" smtClean="0"/>
+              <a:t>(); returns reference to current thread</a:t>
+            </a:r>
+          </a:p>
+          <a:p>
+            <a:r>
+              <a:rPr lang="en-US" dirty="0" smtClean="0"/>
+              <a:t>setPriority(); Sets priority 1 (low) </a:t>
+            </a:r>
+            <a:r>
+              <a:rPr lang="mr-IN" dirty="0" smtClean="0"/>
+              <a:t>–</a:t>
+            </a:r>
+            <a:r>
+              <a:rPr lang="en-US" dirty="0" smtClean="0"/>
+              <a:t> 10 (high)</a:t>
+            </a:r>
+          </a:p>
+          <a:p>
+            <a:r>
+              <a:rPr lang="en-US" dirty="0" smtClean="0"/>
+              <a:t>setName(); Sets name of thread</a:t>
+            </a:r>
+          </a:p>
+          <a:p>
+            <a:r>
+              <a:rPr lang="en-US" dirty="0" smtClean="0"/>
+              <a:t>setDaemon(); Sets thread to daemon</a:t>
+            </a:r>
+          </a:p>
+          <a:p>
+            <a:r>
+              <a:rPr lang="en-US" dirty="0" smtClean="0"/>
+              <a:t>dumpStack(); Prints stack trace of current thread</a:t>
+            </a:r>
+          </a:p>
+        </p:txBody>
+      </p:sp>
+    </p:spTree>
+    <p:extLst>
+      <p:ext uri="{BB962C8B-B14F-4D97-AF65-F5344CB8AC3E}">
+        <p14:creationId xmlns:p14="http://schemas.microsoft.com/office/powerpoint/2010/main" val="4101953319"/>
       </p:ext>
     </p:extLst>
   </p:cSld>
